--- a/The Protocol Master.pptx
+++ b/The Protocol Master.pptx
@@ -10,7 +10,7 @@
   <p:sldIdLst>
     <p:sldId id="256" r:id="rId2"/>
     <p:sldId id="257" r:id="rId3"/>
-    <p:sldId id="268" r:id="rId4"/>
+    <p:sldId id="270" r:id="rId4"/>
     <p:sldId id="258" r:id="rId5"/>
     <p:sldId id="259" r:id="rId6"/>
     <p:sldId id="262" r:id="rId7"/>
@@ -124,7 +124,7 @@
           <p14:sldIdLst>
             <p14:sldId id="256"/>
             <p14:sldId id="257"/>
-            <p14:sldId id="268"/>
+            <p14:sldId id="270"/>
             <p14:sldId id="258"/>
             <p14:sldId id="259"/>
             <p14:sldId id="262"/>
@@ -136,6 +136,9 @@
           </p14:sldIdLst>
         </p14:section>
       </p14:sectionLst>
+    </p:ext>
+    <p:ext uri="{EFAFB233-063F-42B5-8137-9DF3F51BA10A}">
+      <p15:sldGuideLst xmlns:p15="http://schemas.microsoft.com/office/powerpoint/2012/main"/>
     </p:ext>
   </p:extLst>
 </p:presentation>
@@ -223,7 +226,7 @@
           <a:p>
             <a:fld id="{F1A778DE-680A-4E3E-B932-7133A9969D26}" type="datetimeFigureOut">
               <a:rPr lang="en-US" smtClean="0"/>
-              <a:t>1/9/2025</a:t>
+              <a:t>1/10/2025</a:t>
             </a:fld>
             <a:endParaRPr lang="en-US"/>
           </a:p>
@@ -570,7 +573,7 @@
             </a:pPr>
             <a:r>
               <a:rPr lang="en-US" dirty="0"/>
-              <a:t>Introduce random errors</a:t>
+              <a:t>Open at least 5 java rest</a:t>
             </a:r>
           </a:p>
           <a:p>
@@ -580,8 +583,52 @@
             </a:pPr>
             <a:r>
               <a:rPr lang="en-US" dirty="0"/>
-              <a:t>Introduce rate limits</a:t>
-            </a:r>
+              <a:t>Introduce random errors </a:t>
+            </a:r>
+          </a:p>
+          <a:p>
+            <a:pPr marL="171450" indent="-171450">
+              <a:buFont typeface="Arial" panose="020B0604020202020204" pitchFamily="34" charset="0"/>
+              <a:buChar char="•"/>
+            </a:pPr>
+            <a:r>
+              <a:rPr lang="en-US" dirty="0"/>
+              <a:t>Introduce rate limits (refresh wildly)</a:t>
+            </a:r>
+          </a:p>
+          <a:p>
+            <a:pPr marL="171450" indent="-171450">
+              <a:buFont typeface="Arial" panose="020B0604020202020204" pitchFamily="34" charset="0"/>
+              <a:buChar char="•"/>
+            </a:pPr>
+            <a:endParaRPr lang="en-US" dirty="0"/>
+          </a:p>
+          <a:p>
+            <a:pPr marL="171450" indent="-171450">
+              <a:buFont typeface="Arial" panose="020B0604020202020204" pitchFamily="34" charset="0"/>
+              <a:buChar char="•"/>
+            </a:pPr>
+            <a:r>
+              <a:rPr lang="en-US" dirty="0"/>
+              <a:t>http://localhost:8081/swagger-ui/index.html</a:t>
+            </a:r>
+          </a:p>
+          <a:p>
+            <a:pPr marL="171450" indent="-171450">
+              <a:buFont typeface="Arial" panose="020B0604020202020204" pitchFamily="34" charset="0"/>
+              <a:buChar char="•"/>
+            </a:pPr>
+            <a:r>
+              <a:rPr lang="en-US" dirty="0"/>
+              <a:t>http://java-rest/</a:t>
+            </a:r>
+          </a:p>
+          <a:p>
+            <a:pPr marL="171450" indent="-171450">
+              <a:buFont typeface="Arial" panose="020B0604020202020204" pitchFamily="34" charset="0"/>
+              <a:buChar char="•"/>
+            </a:pPr>
+            <a:endParaRPr lang="en-US" dirty="0"/>
           </a:p>
           <a:p>
             <a:pPr marL="171450" indent="-171450">
@@ -976,7 +1023,7 @@
           <a:p>
             <a:fld id="{A6D298AA-F978-4EC2-8C8A-8478FD4609E6}" type="datetimeFigureOut">
               <a:rPr lang="en-US" smtClean="0"/>
-              <a:t>1/9/2025</a:t>
+              <a:t>1/10/2025</a:t>
             </a:fld>
             <a:endParaRPr lang="en-US"/>
           </a:p>
@@ -1174,7 +1221,7 @@
           <a:p>
             <a:fld id="{A6D298AA-F978-4EC2-8C8A-8478FD4609E6}" type="datetimeFigureOut">
               <a:rPr lang="en-US" smtClean="0"/>
-              <a:t>1/9/2025</a:t>
+              <a:t>1/10/2025</a:t>
             </a:fld>
             <a:endParaRPr lang="en-US"/>
           </a:p>
@@ -1382,7 +1429,7 @@
           <a:p>
             <a:fld id="{A6D298AA-F978-4EC2-8C8A-8478FD4609E6}" type="datetimeFigureOut">
               <a:rPr lang="en-US" smtClean="0"/>
-              <a:t>1/9/2025</a:t>
+              <a:t>1/10/2025</a:t>
             </a:fld>
             <a:endParaRPr lang="en-US"/>
           </a:p>
@@ -1580,7 +1627,7 @@
           <a:p>
             <a:fld id="{A6D298AA-F978-4EC2-8C8A-8478FD4609E6}" type="datetimeFigureOut">
               <a:rPr lang="en-US" smtClean="0"/>
-              <a:t>1/9/2025</a:t>
+              <a:t>1/10/2025</a:t>
             </a:fld>
             <a:endParaRPr lang="en-US"/>
           </a:p>
@@ -1855,7 +1902,7 @@
           <a:p>
             <a:fld id="{A6D298AA-F978-4EC2-8C8A-8478FD4609E6}" type="datetimeFigureOut">
               <a:rPr lang="en-US" smtClean="0"/>
-              <a:t>1/9/2025</a:t>
+              <a:t>1/10/2025</a:t>
             </a:fld>
             <a:endParaRPr lang="en-US"/>
           </a:p>
@@ -2120,7 +2167,7 @@
           <a:p>
             <a:fld id="{A6D298AA-F978-4EC2-8C8A-8478FD4609E6}" type="datetimeFigureOut">
               <a:rPr lang="en-US" smtClean="0"/>
-              <a:t>1/9/2025</a:t>
+              <a:t>1/10/2025</a:t>
             </a:fld>
             <a:endParaRPr lang="en-US"/>
           </a:p>
@@ -2532,7 +2579,7 @@
           <a:p>
             <a:fld id="{A6D298AA-F978-4EC2-8C8A-8478FD4609E6}" type="datetimeFigureOut">
               <a:rPr lang="en-US" smtClean="0"/>
-              <a:t>1/9/2025</a:t>
+              <a:t>1/10/2025</a:t>
             </a:fld>
             <a:endParaRPr lang="en-US"/>
           </a:p>
@@ -2673,7 +2720,7 @@
           <a:p>
             <a:fld id="{A6D298AA-F978-4EC2-8C8A-8478FD4609E6}" type="datetimeFigureOut">
               <a:rPr lang="en-US" smtClean="0"/>
-              <a:t>1/9/2025</a:t>
+              <a:t>1/10/2025</a:t>
             </a:fld>
             <a:endParaRPr lang="en-US"/>
           </a:p>
@@ -2786,7 +2833,7 @@
           <a:p>
             <a:fld id="{A6D298AA-F978-4EC2-8C8A-8478FD4609E6}" type="datetimeFigureOut">
               <a:rPr lang="en-US" smtClean="0"/>
-              <a:t>1/9/2025</a:t>
+              <a:t>1/10/2025</a:t>
             </a:fld>
             <a:endParaRPr lang="en-US"/>
           </a:p>
@@ -3097,7 +3144,7 @@
           <a:p>
             <a:fld id="{A6D298AA-F978-4EC2-8C8A-8478FD4609E6}" type="datetimeFigureOut">
               <a:rPr lang="en-US" smtClean="0"/>
-              <a:t>1/9/2025</a:t>
+              <a:t>1/10/2025</a:t>
             </a:fld>
             <a:endParaRPr lang="en-US"/>
           </a:p>
@@ -3385,7 +3432,7 @@
           <a:p>
             <a:fld id="{A6D298AA-F978-4EC2-8C8A-8478FD4609E6}" type="datetimeFigureOut">
               <a:rPr lang="en-US" smtClean="0"/>
-              <a:t>1/9/2025</a:t>
+              <a:t>1/10/2025</a:t>
             </a:fld>
             <a:endParaRPr lang="en-US"/>
           </a:p>
@@ -3626,7 +3673,7 @@
           <a:p>
             <a:fld id="{A6D298AA-F978-4EC2-8C8A-8478FD4609E6}" type="datetimeFigureOut">
               <a:rPr lang="en-US" smtClean="0"/>
-              <a:t>1/9/2025</a:t>
+              <a:t>1/10/2025</a:t>
             </a:fld>
             <a:endParaRPr lang="en-US"/>
           </a:p>
@@ -4029,6 +4076,14 @@
 <file path=ppt/slides/slide1.xml><?xml version="1.0" encoding="utf-8"?>
 <p:sld xmlns:a="http://schemas.openxmlformats.org/drawingml/2006/main" xmlns:r="http://schemas.openxmlformats.org/officeDocument/2006/relationships" xmlns:p="http://schemas.openxmlformats.org/presentationml/2006/main">
   <p:cSld>
+    <p:bg>
+      <p:bgPr>
+        <a:solidFill>
+          <a:schemeClr val="bg1"/>
+        </a:solidFill>
+        <a:effectLst/>
+      </p:bgPr>
+    </p:bg>
     <p:spTree>
       <p:nvGrpSpPr>
         <p:cNvPr id="1" name=""/>
@@ -4043,6 +4098,66 @@
           <a:chExt cx="0" cy="0"/>
         </a:xfrm>
       </p:grpSpPr>
+      <p:sp useBgFill="1">
+        <p:nvSpPr>
+          <p:cNvPr id="1031" name="Rectangle 1030">
+            <a:extLst>
+              <a:ext uri="{FF2B5EF4-FFF2-40B4-BE49-F238E27FC236}">
+                <a16:creationId xmlns:a16="http://schemas.microsoft.com/office/drawing/2014/main" id="{8D0D6D3E-D7F9-4591-9CA9-DDF4DB1F73DA}"/>
+              </a:ext>
+              <a:ext uri="{C183D7F6-B498-43B3-948B-1728B52AA6E4}">
+                <adec:decorative xmlns:adec="http://schemas.microsoft.com/office/drawing/2017/decorative" val="1"/>
+              </a:ext>
+            </a:extLst>
+          </p:cNvPr>
+          <p:cNvSpPr>
+            <a:spLocks noGrp="1" noRot="1" noChangeAspect="1" noMove="1" noResize="1" noEditPoints="1" noAdjustHandles="1" noChangeArrowheads="1" noChangeShapeType="1" noTextEdit="1"/>
+          </p:cNvSpPr>
+          <p:nvPr>
+            <p:extLst>
+              <p:ext uri="{386F3935-93C4-4BCD-93E2-E3B085C9AB24}">
+                <p16:designElem xmlns:p16="http://schemas.microsoft.com/office/powerpoint/2015/main" val="1"/>
+              </p:ext>
+            </p:extLst>
+          </p:nvPr>
+        </p:nvSpPr>
+        <p:spPr>
+          <a:xfrm>
+            <a:off x="0" y="2"/>
+            <a:ext cx="12192000" cy="6857997"/>
+          </a:xfrm>
+          <a:prstGeom prst="rect">
+            <a:avLst/>
+          </a:prstGeom>
+          <a:ln>
+            <a:noFill/>
+          </a:ln>
+        </p:spPr>
+        <p:style>
+          <a:lnRef idx="2">
+            <a:schemeClr val="accent1">
+              <a:shade val="50000"/>
+            </a:schemeClr>
+          </a:lnRef>
+          <a:fillRef idx="1">
+            <a:schemeClr val="accent1"/>
+          </a:fillRef>
+          <a:effectRef idx="0">
+            <a:schemeClr val="accent1"/>
+          </a:effectRef>
+          <a:fontRef idx="minor">
+            <a:schemeClr val="lt1"/>
+          </a:fontRef>
+        </p:style>
+        <p:txBody>
+          <a:bodyPr rtlCol="0" anchor="ctr"/>
+          <a:lstStyle/>
+          <a:p>
+            <a:pPr algn="ctr"/>
+            <a:endParaRPr lang="en-US" dirty="0"/>
+          </a:p>
+        </p:txBody>
+      </p:sp>
       <p:sp>
         <p:nvSpPr>
           <p:cNvPr id="2" name="Title 1">
@@ -4059,13 +4174,21 @@
             <p:ph type="ctrTitle"/>
           </p:nvPr>
         </p:nvSpPr>
-        <p:spPr/>
-        <p:txBody>
-          <a:bodyPr/>
-          <a:lstStyle/>
-          <a:p>
-            <a:r>
-              <a:rPr lang="en-US" dirty="0"/>
+        <p:spPr>
+          <a:xfrm>
+            <a:off x="982639" y="1012536"/>
+            <a:ext cx="4613300" cy="3163224"/>
+          </a:xfrm>
+        </p:spPr>
+        <p:txBody>
+          <a:bodyPr anchor="t">
+            <a:normAutofit/>
+          </a:bodyPr>
+          <a:lstStyle/>
+          <a:p>
+            <a:pPr algn="l"/>
+            <a:r>
+              <a:rPr lang="en-US" sz="4800"/>
               <a:t>The Protocol Master</a:t>
             </a:r>
           </a:p>
@@ -4087,18 +4210,326 @@
             <p:ph type="subTitle" idx="1"/>
           </p:nvPr>
         </p:nvSpPr>
-        <p:spPr/>
-        <p:txBody>
-          <a:bodyPr/>
-          <a:lstStyle/>
-          <a:p>
+        <p:spPr>
+          <a:xfrm>
+            <a:off x="982638" y="4389120"/>
+            <a:ext cx="4408228" cy="1192815"/>
+          </a:xfrm>
+        </p:spPr>
+        <p:txBody>
+          <a:bodyPr anchor="b">
+            <a:normAutofit/>
+          </a:bodyPr>
+          <a:lstStyle/>
+          <a:p>
+            <a:pPr algn="l"/>
             <a:r>
               <a:rPr lang="en-US" dirty="0"/>
               <a:t>Impossible Testing at hand</a:t>
             </a:r>
-          </a:p>
-        </p:txBody>
-      </p:sp>
+            <a:endParaRPr lang="en-US"/>
+          </a:p>
+        </p:txBody>
+      </p:sp>
+      <p:sp>
+        <p:nvSpPr>
+          <p:cNvPr id="1033" name="Rectangle 1032">
+            <a:extLst>
+              <a:ext uri="{FF2B5EF4-FFF2-40B4-BE49-F238E27FC236}">
+                <a16:creationId xmlns:a16="http://schemas.microsoft.com/office/drawing/2014/main" id="{C4C9F2B0-1044-46EB-8AEB-C3BFFDE6C2CC}"/>
+              </a:ext>
+              <a:ext uri="{C183D7F6-B498-43B3-948B-1728B52AA6E4}">
+                <adec:decorative xmlns:adec="http://schemas.microsoft.com/office/drawing/2017/decorative" val="1"/>
+              </a:ext>
+            </a:extLst>
+          </p:cNvPr>
+          <p:cNvSpPr>
+            <a:spLocks noGrp="1" noRot="1" noChangeAspect="1" noMove="1" noResize="1" noEditPoints="1" noAdjustHandles="1" noChangeArrowheads="1" noChangeShapeType="1" noTextEdit="1"/>
+          </p:cNvSpPr>
+          <p:nvPr>
+            <p:extLst>
+              <p:ext uri="{386F3935-93C4-4BCD-93E2-E3B085C9AB24}">
+                <p16:designElem xmlns:p16="http://schemas.microsoft.com/office/powerpoint/2015/main" val="1"/>
+              </p:ext>
+            </p:extLst>
+          </p:nvPr>
+        </p:nvSpPr>
+        <p:spPr>
+          <a:xfrm flipH="1">
+            <a:off x="8123336" y="-3"/>
+            <a:ext cx="4068664" cy="6858000"/>
+          </a:xfrm>
+          <a:prstGeom prst="rect">
+            <a:avLst/>
+          </a:prstGeom>
+          <a:gradFill>
+            <a:gsLst>
+              <a:gs pos="26000">
+                <a:srgbClr val="000000"/>
+              </a:gs>
+              <a:gs pos="100000">
+                <a:schemeClr val="accent1"/>
+              </a:gs>
+            </a:gsLst>
+            <a:lin ang="9000000" scaled="0"/>
+          </a:gradFill>
+          <a:ln>
+            <a:noFill/>
+          </a:ln>
+        </p:spPr>
+        <p:style>
+          <a:lnRef idx="2">
+            <a:schemeClr val="accent1">
+              <a:shade val="50000"/>
+            </a:schemeClr>
+          </a:lnRef>
+          <a:fillRef idx="1">
+            <a:schemeClr val="accent1"/>
+          </a:fillRef>
+          <a:effectRef idx="0">
+            <a:schemeClr val="accent1"/>
+          </a:effectRef>
+          <a:fontRef idx="minor">
+            <a:schemeClr val="lt1"/>
+          </a:fontRef>
+        </p:style>
+        <p:txBody>
+          <a:bodyPr rtlCol="0" anchor="ctr"/>
+          <a:lstStyle/>
+          <a:p>
+            <a:pPr algn="ctr"/>
+            <a:endParaRPr lang="en-US" dirty="0"/>
+          </a:p>
+        </p:txBody>
+      </p:sp>
+      <p:sp>
+        <p:nvSpPr>
+          <p:cNvPr id="1035" name="Rectangle 1034">
+            <a:extLst>
+              <a:ext uri="{FF2B5EF4-FFF2-40B4-BE49-F238E27FC236}">
+                <a16:creationId xmlns:a16="http://schemas.microsoft.com/office/drawing/2014/main" id="{D28B54C3-B57B-472A-B96E-1FCB67093DC2}"/>
+              </a:ext>
+              <a:ext uri="{C183D7F6-B498-43B3-948B-1728B52AA6E4}">
+                <adec:decorative xmlns:adec="http://schemas.microsoft.com/office/drawing/2017/decorative" val="1"/>
+              </a:ext>
+            </a:extLst>
+          </p:cNvPr>
+          <p:cNvSpPr>
+            <a:spLocks noGrp="1" noRot="1" noChangeAspect="1" noMove="1" noResize="1" noEditPoints="1" noAdjustHandles="1" noChangeArrowheads="1" noChangeShapeType="1" noTextEdit="1"/>
+          </p:cNvSpPr>
+          <p:nvPr>
+            <p:extLst>
+              <p:ext uri="{386F3935-93C4-4BCD-93E2-E3B085C9AB24}">
+                <p16:designElem xmlns:p16="http://schemas.microsoft.com/office/powerpoint/2015/main" val="1"/>
+              </p:ext>
+            </p:extLst>
+          </p:nvPr>
+        </p:nvSpPr>
+        <p:spPr>
+          <a:xfrm flipH="1">
+            <a:off x="8123336" y="-3"/>
+            <a:ext cx="3611463" cy="6858000"/>
+          </a:xfrm>
+          <a:prstGeom prst="rect">
+            <a:avLst/>
+          </a:prstGeom>
+          <a:gradFill>
+            <a:gsLst>
+              <a:gs pos="0">
+                <a:schemeClr val="accent1">
+                  <a:lumMod val="75000"/>
+                  <a:alpha val="56000"/>
+                </a:schemeClr>
+              </a:gs>
+              <a:gs pos="100000">
+                <a:srgbClr val="000000">
+                  <a:alpha val="52000"/>
+                </a:srgbClr>
+              </a:gs>
+            </a:gsLst>
+            <a:lin ang="5400000" scaled="0"/>
+          </a:gradFill>
+          <a:ln>
+            <a:noFill/>
+          </a:ln>
+        </p:spPr>
+        <p:style>
+          <a:lnRef idx="2">
+            <a:schemeClr val="accent1">
+              <a:shade val="50000"/>
+            </a:schemeClr>
+          </a:lnRef>
+          <a:fillRef idx="1">
+            <a:schemeClr val="accent1"/>
+          </a:fillRef>
+          <a:effectRef idx="0">
+            <a:schemeClr val="accent1"/>
+          </a:effectRef>
+          <a:fontRef idx="minor">
+            <a:schemeClr val="lt1"/>
+          </a:fontRef>
+        </p:style>
+        <p:txBody>
+          <a:bodyPr rtlCol="0" anchor="ctr"/>
+          <a:lstStyle/>
+          <a:p>
+            <a:pPr algn="ctr"/>
+            <a:endParaRPr lang="en-US" dirty="0"/>
+          </a:p>
+        </p:txBody>
+      </p:sp>
+      <p:sp>
+        <p:nvSpPr>
+          <p:cNvPr id="1037" name="Rectangle 1036">
+            <a:extLst>
+              <a:ext uri="{FF2B5EF4-FFF2-40B4-BE49-F238E27FC236}">
+                <a16:creationId xmlns:a16="http://schemas.microsoft.com/office/drawing/2014/main" id="{7DB3C429-F8DA-49B9-AF84-21996FCF78B5}"/>
+              </a:ext>
+              <a:ext uri="{C183D7F6-B498-43B3-948B-1728B52AA6E4}">
+                <adec:decorative xmlns:adec="http://schemas.microsoft.com/office/drawing/2017/decorative" val="1"/>
+              </a:ext>
+            </a:extLst>
+          </p:cNvPr>
+          <p:cNvSpPr>
+            <a:spLocks noGrp="1" noRot="1" noChangeAspect="1" noMove="1" noResize="1" noEditPoints="1" noAdjustHandles="1" noChangeArrowheads="1" noChangeShapeType="1" noTextEdit="1"/>
+          </p:cNvSpPr>
+          <p:nvPr>
+            <p:extLst>
+              <p:ext uri="{386F3935-93C4-4BCD-93E2-E3B085C9AB24}">
+                <p16:designElem xmlns:p16="http://schemas.microsoft.com/office/powerpoint/2015/main" val="1"/>
+              </p:ext>
+            </p:extLst>
+          </p:nvPr>
+        </p:nvSpPr>
+        <p:spPr>
+          <a:xfrm rot="5400000">
+            <a:off x="8230721" y="-107390"/>
+            <a:ext cx="3853890" cy="4068665"/>
+          </a:xfrm>
+          <a:prstGeom prst="rect">
+            <a:avLst/>
+          </a:prstGeom>
+          <a:gradFill>
+            <a:gsLst>
+              <a:gs pos="0">
+                <a:srgbClr val="000000">
+                  <a:alpha val="34000"/>
+                </a:srgbClr>
+              </a:gs>
+              <a:gs pos="96000">
+                <a:schemeClr val="accent1">
+                  <a:alpha val="0"/>
+                </a:schemeClr>
+              </a:gs>
+            </a:gsLst>
+            <a:lin ang="8400000" scaled="0"/>
+          </a:gradFill>
+          <a:ln>
+            <a:noFill/>
+          </a:ln>
+        </p:spPr>
+        <p:style>
+          <a:lnRef idx="2">
+            <a:schemeClr val="accent1">
+              <a:shade val="50000"/>
+            </a:schemeClr>
+          </a:lnRef>
+          <a:fillRef idx="1">
+            <a:schemeClr val="accent1"/>
+          </a:fillRef>
+          <a:effectRef idx="0">
+            <a:schemeClr val="accent1"/>
+          </a:effectRef>
+          <a:fontRef idx="minor">
+            <a:schemeClr val="lt1"/>
+          </a:fontRef>
+        </p:style>
+        <p:txBody>
+          <a:bodyPr rtlCol="0" anchor="ctr"/>
+          <a:lstStyle/>
+          <a:p>
+            <a:pPr algn="ctr"/>
+            <a:endParaRPr lang="en-US"/>
+          </a:p>
+        </p:txBody>
+      </p:sp>
+      <p:pic>
+        <p:nvPicPr>
+          <p:cNvPr id="1026" name="Picture 2">
+            <a:extLst>
+              <a:ext uri="{FF2B5EF4-FFF2-40B4-BE49-F238E27FC236}">
+                <a16:creationId xmlns:a16="http://schemas.microsoft.com/office/drawing/2014/main" id="{84AAD969-FB12-8E2E-E64E-50E6757E3BC6}"/>
+              </a:ext>
+            </a:extLst>
+          </p:cNvPr>
+          <p:cNvPicPr>
+            <a:picLocks noChangeAspect="1" noChangeArrowheads="1"/>
+          </p:cNvPicPr>
+          <p:nvPr/>
+        </p:nvPicPr>
+        <p:blipFill>
+          <a:blip r:embed="rId2">
+            <a:extLst>
+              <a:ext uri="{28A0092B-C50C-407E-A947-70E740481C1C}">
+                <a14:useLocalDpi xmlns:a14="http://schemas.microsoft.com/office/drawing/2010/main" val="0"/>
+              </a:ext>
+            </a:extLst>
+          </a:blip>
+          <a:srcRect l="4257" r="1741" b="-3"/>
+          <a:stretch/>
+        </p:blipFill>
+        <p:spPr bwMode="auto">
+          <a:xfrm>
+            <a:off x="6096000" y="1012536"/>
+            <a:ext cx="4756162" cy="4756162"/>
+          </a:xfrm>
+          <a:custGeom>
+            <a:avLst/>
+            <a:gdLst/>
+            <a:ahLst/>
+            <a:cxnLst/>
+            <a:rect l="l" t="t" r="r" b="b"/>
+            <a:pathLst>
+              <a:path w="5031136" h="5031136">
+                <a:moveTo>
+                  <a:pt x="2515568" y="0"/>
+                </a:moveTo>
+                <a:cubicBezTo>
+                  <a:pt x="3904878" y="0"/>
+                  <a:pt x="5031136" y="1126258"/>
+                  <a:pt x="5031136" y="2515568"/>
+                </a:cubicBezTo>
+                <a:cubicBezTo>
+                  <a:pt x="5031136" y="3904878"/>
+                  <a:pt x="3904878" y="5031136"/>
+                  <a:pt x="2515568" y="5031136"/>
+                </a:cubicBezTo>
+                <a:cubicBezTo>
+                  <a:pt x="1126258" y="5031136"/>
+                  <a:pt x="0" y="3904878"/>
+                  <a:pt x="0" y="2515568"/>
+                </a:cubicBezTo>
+                <a:cubicBezTo>
+                  <a:pt x="0" y="1126258"/>
+                  <a:pt x="1126258" y="0"/>
+                  <a:pt x="2515568" y="0"/>
+                </a:cubicBezTo>
+                <a:close/>
+              </a:path>
+            </a:pathLst>
+          </a:custGeom>
+          <a:noFill/>
+          <a:extLst>
+            <a:ext uri="{909E8E84-426E-40DD-AFC4-6F175D3DCCD1}">
+              <a14:hiddenFill xmlns:a14="http://schemas.microsoft.com/office/drawing/2010/main">
+                <a:solidFill>
+                  <a:srgbClr val="FFFFFF"/>
+                </a:solidFill>
+              </a14:hiddenFill>
+            </a:ext>
+          </a:extLst>
+        </p:spPr>
+      </p:pic>
     </p:spTree>
     <p:extLst>
       <p:ext uri="{BB962C8B-B14F-4D97-AF65-F5344CB8AC3E}">
@@ -4109,6 +4540,145 @@
   <p:clrMapOvr>
     <a:masterClrMapping/>
   </p:clrMapOvr>
+  <p:timing>
+    <p:tnLst>
+      <p:par>
+        <p:cTn id="1" dur="indefinite" restart="never" nodeType="tmRoot">
+          <p:childTnLst>
+            <p:seq concurrent="1" nextAc="seek">
+              <p:cTn id="2" dur="indefinite" nodeType="mainSeq">
+                <p:childTnLst>
+                  <p:par>
+                    <p:cTn id="3" fill="hold">
+                      <p:stCondLst>
+                        <p:cond delay="indefinite"/>
+                        <p:cond evt="onBegin" delay="0">
+                          <p:tn val="2"/>
+                        </p:cond>
+                      </p:stCondLst>
+                      <p:childTnLst>
+                        <p:par>
+                          <p:cTn id="4" fill="hold">
+                            <p:stCondLst>
+                              <p:cond delay="0"/>
+                            </p:stCondLst>
+                            <p:childTnLst>
+                              <p:par>
+                                <p:cTn id="5" presetID="10" presetClass="entr" presetSubtype="0" fill="hold" grpId="0" nodeType="withEffect">
+                                  <p:stCondLst>
+                                    <p:cond delay="1000"/>
+                                  </p:stCondLst>
+                                  <p:iterate type="lt">
+                                    <p:tmPct val="10000"/>
+                                  </p:iterate>
+                                  <p:childTnLst>
+                                    <p:set>
+                                      <p:cBhvr>
+                                        <p:cTn id="6" dur="1" fill="hold">
+                                          <p:stCondLst>
+                                            <p:cond delay="0"/>
+                                          </p:stCondLst>
+                                        </p:cTn>
+                                        <p:tgtEl>
+                                          <p:spTgt spid="2"/>
+                                        </p:tgtEl>
+                                        <p:attrNameLst>
+                                          <p:attrName>style.visibility</p:attrName>
+                                        </p:attrNameLst>
+                                      </p:cBhvr>
+                                      <p:to>
+                                        <p:strVal val="visible"/>
+                                      </p:to>
+                                    </p:set>
+                                    <p:animEffect transition="in" filter="fade">
+                                      <p:cBhvr>
+                                        <p:cTn id="7" dur="400"/>
+                                        <p:tgtEl>
+                                          <p:spTgt spid="2"/>
+                                        </p:tgtEl>
+                                      </p:cBhvr>
+                                    </p:animEffect>
+                                  </p:childTnLst>
+                                </p:cTn>
+                              </p:par>
+                              <p:par>
+                                <p:cTn id="8" presetID="10" presetClass="entr" presetSubtype="0" fill="hold" grpId="0" nodeType="withEffect">
+                                  <p:stCondLst>
+                                    <p:cond delay="2000"/>
+                                  </p:stCondLst>
+                                  <p:iterate type="lt">
+                                    <p:tmPct val="10000"/>
+                                  </p:iterate>
+                                  <p:childTnLst>
+                                    <p:set>
+                                      <p:cBhvr>
+                                        <p:cTn id="9" dur="1" fill="hold">
+                                          <p:stCondLst>
+                                            <p:cond delay="0"/>
+                                          </p:stCondLst>
+                                        </p:cTn>
+                                        <p:tgtEl>
+                                          <p:spTgt spid="3">
+                                            <p:txEl>
+                                              <p:pRg st="0" end="0"/>
+                                            </p:txEl>
+                                          </p:spTgt>
+                                        </p:tgtEl>
+                                        <p:attrNameLst>
+                                          <p:attrName>style.visibility</p:attrName>
+                                        </p:attrNameLst>
+                                      </p:cBhvr>
+                                      <p:to>
+                                        <p:strVal val="visible"/>
+                                      </p:to>
+                                    </p:set>
+                                    <p:animEffect transition="in" filter="fade">
+                                      <p:cBhvr>
+                                        <p:cTn id="10" dur="400"/>
+                                        <p:tgtEl>
+                                          <p:spTgt spid="3">
+                                            <p:txEl>
+                                              <p:pRg st="0" end="0"/>
+                                            </p:txEl>
+                                          </p:spTgt>
+                                        </p:tgtEl>
+                                      </p:cBhvr>
+                                    </p:animEffect>
+                                  </p:childTnLst>
+                                </p:cTn>
+                              </p:par>
+                            </p:childTnLst>
+                          </p:cTn>
+                        </p:par>
+                      </p:childTnLst>
+                    </p:cTn>
+                  </p:par>
+                </p:childTnLst>
+              </p:cTn>
+              <p:prevCondLst>
+                <p:cond evt="onPrev" delay="0">
+                  <p:tgtEl>
+                    <p:sldTgt/>
+                  </p:tgtEl>
+                </p:cond>
+              </p:prevCondLst>
+              <p:nextCondLst>
+                <p:cond evt="onNext" delay="0">
+                  <p:tgtEl>
+                    <p:sldTgt/>
+                  </p:tgtEl>
+                </p:cond>
+              </p:nextCondLst>
+            </p:seq>
+          </p:childTnLst>
+        </p:cTn>
+      </p:par>
+    </p:tnLst>
+    <p:bldLst>
+      <p:bldP spid="2" grpId="0"/>
+      <p:bldP spid="3" grpId="0" build="p"/>
+    </p:bldLst>
+  </p:timing>
 </p:sld>
 </file>
 
@@ -4216,6 +4786,53 @@
           </a:p>
         </p:txBody>
       </p:sp>
+      <p:pic>
+        <p:nvPicPr>
+          <p:cNvPr id="4" name="Picture 2">
+            <a:extLst>
+              <a:ext uri="{FF2B5EF4-FFF2-40B4-BE49-F238E27FC236}">
+                <a16:creationId xmlns:a16="http://schemas.microsoft.com/office/drawing/2014/main" id="{97F2440D-E4B5-27A7-B7E2-2EE6D6DF1CDB}"/>
+              </a:ext>
+            </a:extLst>
+          </p:cNvPr>
+          <p:cNvPicPr>
+            <a:picLocks noChangeAspect="1" noChangeArrowheads="1"/>
+          </p:cNvPicPr>
+          <p:nvPr/>
+        </p:nvPicPr>
+        <p:blipFill>
+          <a:blip r:embed="rId2">
+            <a:extLst>
+              <a:ext uri="{28A0092B-C50C-407E-A947-70E740481C1C}">
+                <a14:useLocalDpi xmlns:a14="http://schemas.microsoft.com/office/drawing/2010/main" val="0"/>
+              </a:ext>
+            </a:extLst>
+          </a:blip>
+          <a:srcRect/>
+          <a:stretch>
+            <a:fillRect/>
+          </a:stretch>
+        </p:blipFill>
+        <p:spPr bwMode="auto">
+          <a:xfrm>
+            <a:off x="10123273" y="132556"/>
+            <a:ext cx="1905000" cy="1790700"/>
+          </a:xfrm>
+          <a:prstGeom prst="rect">
+            <a:avLst/>
+          </a:prstGeom>
+          <a:noFill/>
+          <a:extLst>
+            <a:ext uri="{909E8E84-426E-40DD-AFC4-6F175D3DCCD1}">
+              <a14:hiddenFill xmlns:a14="http://schemas.microsoft.com/office/drawing/2010/main">
+                <a:solidFill>
+                  <a:srgbClr val="FFFFFF"/>
+                </a:solidFill>
+              </a14:hiddenFill>
+            </a:ext>
+          </a:extLst>
+        </p:spPr>
+      </p:pic>
     </p:spTree>
     <p:extLst>
       <p:ext uri="{BB962C8B-B14F-4D97-AF65-F5344CB8AC3E}">
@@ -4326,6 +4943,53 @@
           </a:p>
         </p:txBody>
       </p:sp>
+      <p:pic>
+        <p:nvPicPr>
+          <p:cNvPr id="4" name="Picture 2">
+            <a:extLst>
+              <a:ext uri="{FF2B5EF4-FFF2-40B4-BE49-F238E27FC236}">
+                <a16:creationId xmlns:a16="http://schemas.microsoft.com/office/drawing/2014/main" id="{478203D0-7383-D492-213E-88CDAED90FF4}"/>
+              </a:ext>
+            </a:extLst>
+          </p:cNvPr>
+          <p:cNvPicPr>
+            <a:picLocks noChangeAspect="1" noChangeArrowheads="1"/>
+          </p:cNvPicPr>
+          <p:nvPr/>
+        </p:nvPicPr>
+        <p:blipFill>
+          <a:blip r:embed="rId5">
+            <a:extLst>
+              <a:ext uri="{28A0092B-C50C-407E-A947-70E740481C1C}">
+                <a14:useLocalDpi xmlns:a14="http://schemas.microsoft.com/office/drawing/2010/main" val="0"/>
+              </a:ext>
+            </a:extLst>
+          </a:blip>
+          <a:srcRect/>
+          <a:stretch>
+            <a:fillRect/>
+          </a:stretch>
+        </p:blipFill>
+        <p:spPr bwMode="auto">
+          <a:xfrm>
+            <a:off x="10123273" y="132556"/>
+            <a:ext cx="1905000" cy="1790700"/>
+          </a:xfrm>
+          <a:prstGeom prst="rect">
+            <a:avLst/>
+          </a:prstGeom>
+          <a:noFill/>
+          <a:extLst>
+            <a:ext uri="{909E8E84-426E-40DD-AFC4-6F175D3DCCD1}">
+              <a14:hiddenFill xmlns:a14="http://schemas.microsoft.com/office/drawing/2010/main">
+                <a:solidFill>
+                  <a:srgbClr val="FFFFFF"/>
+                </a:solidFill>
+              </a14:hiddenFill>
+            </a:ext>
+          </a:extLst>
+        </p:spPr>
+      </p:pic>
     </p:spTree>
     <p:extLst>
       <p:ext uri="{BB962C8B-B14F-4D97-AF65-F5344CB8AC3E}">
@@ -4425,14 +5089,14 @@
           <a:p>
             <a:r>
               <a:rPr lang="en-US" dirty="0"/>
-              <a:t>Protocols: </a:t>
+              <a:t>Protocols covered: </a:t>
             </a:r>
           </a:p>
           <a:p>
             <a:pPr lvl="1"/>
             <a:r>
               <a:rPr lang="en-US" dirty="0"/>
-              <a:t>HTTP, HTTPS, Soap, </a:t>
+              <a:t>HTTP, HTTPS, Soap, REST, </a:t>
             </a:r>
           </a:p>
           <a:p>
@@ -4451,6 +5115,53 @@
           </a:p>
         </p:txBody>
       </p:sp>
+      <p:pic>
+        <p:nvPicPr>
+          <p:cNvPr id="2050" name="Picture 2">
+            <a:extLst>
+              <a:ext uri="{FF2B5EF4-FFF2-40B4-BE49-F238E27FC236}">
+                <a16:creationId xmlns:a16="http://schemas.microsoft.com/office/drawing/2014/main" id="{393241D5-5AAE-3158-F39F-F52FE48BB061}"/>
+              </a:ext>
+            </a:extLst>
+          </p:cNvPr>
+          <p:cNvPicPr>
+            <a:picLocks noChangeAspect="1" noChangeArrowheads="1"/>
+          </p:cNvPicPr>
+          <p:nvPr/>
+        </p:nvPicPr>
+        <p:blipFill>
+          <a:blip r:embed="rId2">
+            <a:extLst>
+              <a:ext uri="{28A0092B-C50C-407E-A947-70E740481C1C}">
+                <a14:useLocalDpi xmlns:a14="http://schemas.microsoft.com/office/drawing/2010/main" val="0"/>
+              </a:ext>
+            </a:extLst>
+          </a:blip>
+          <a:srcRect/>
+          <a:stretch>
+            <a:fillRect/>
+          </a:stretch>
+        </p:blipFill>
+        <p:spPr bwMode="auto">
+          <a:xfrm>
+            <a:off x="10123273" y="132556"/>
+            <a:ext cx="1905000" cy="1790700"/>
+          </a:xfrm>
+          <a:prstGeom prst="rect">
+            <a:avLst/>
+          </a:prstGeom>
+          <a:noFill/>
+          <a:extLst>
+            <a:ext uri="{909E8E84-426E-40DD-AFC4-6F175D3DCCD1}">
+              <a14:hiddenFill xmlns:a14="http://schemas.microsoft.com/office/drawing/2010/main">
+                <a:solidFill>
+                  <a:srgbClr val="FFFFFF"/>
+                </a:solidFill>
+              </a14:hiddenFill>
+            </a:ext>
+          </a:extLst>
+        </p:spPr>
+      </p:pic>
     </p:spTree>
     <p:extLst>
       <p:ext uri="{BB962C8B-B14F-4D97-AF65-F5344CB8AC3E}">
@@ -4486,7 +5197,7 @@
           <p:cNvPr id="2" name="Title 1">
             <a:extLst>
               <a:ext uri="{FF2B5EF4-FFF2-40B4-BE49-F238E27FC236}">
-                <a16:creationId xmlns:a16="http://schemas.microsoft.com/office/drawing/2014/main" id="{B542EEA0-DEDF-FFF2-FC2D-E31C0386A83A}"/>
+                <a16:creationId xmlns:a16="http://schemas.microsoft.com/office/drawing/2014/main" id="{29C4BC5D-AB05-CAD1-19D4-E8B4B27F2993}"/>
               </a:ext>
             </a:extLst>
           </p:cNvPr>
@@ -4514,7 +5225,7 @@
           <p:cNvPr id="3" name="Content Placeholder 2">
             <a:extLst>
               <a:ext uri="{FF2B5EF4-FFF2-40B4-BE49-F238E27FC236}">
-                <a16:creationId xmlns:a16="http://schemas.microsoft.com/office/drawing/2014/main" id="{64681B06-D4DD-5C98-A144-A3BCEAF0B97E}"/>
+                <a16:creationId xmlns:a16="http://schemas.microsoft.com/office/drawing/2014/main" id="{16C5FC2B-C990-F709-3CE9-00B655EBEC9F}"/>
               </a:ext>
             </a:extLst>
           </p:cNvPr>
@@ -4538,27 +5249,98 @@
           <a:p>
             <a:r>
               <a:rPr lang="en-US" dirty="0"/>
+              <a:t>An emulator</a:t>
+            </a:r>
+          </a:p>
+          <a:p>
+            <a:r>
+              <a:rPr lang="en-US" dirty="0"/>
               <a:t>A mock</a:t>
             </a:r>
           </a:p>
-          <a:p>
-            <a:r>
-              <a:rPr lang="en-US" dirty="0"/>
-              <a:t>A hacker</a:t>
-            </a:r>
-          </a:p>
-          <a:p>
-            <a:r>
-              <a:rPr lang="en-US" dirty="0"/>
-              <a:t>A test environment</a:t>
-            </a:r>
-          </a:p>
-        </p:txBody>
-      </p:sp>
+        </p:txBody>
+      </p:sp>
+      <p:pic>
+        <p:nvPicPr>
+          <p:cNvPr id="5" name="Picture 2">
+            <a:extLst>
+              <a:ext uri="{FF2B5EF4-FFF2-40B4-BE49-F238E27FC236}">
+                <a16:creationId xmlns:a16="http://schemas.microsoft.com/office/drawing/2014/main" id="{ECC9EF7C-CE1B-2D43-32F1-674CF870ADA0}"/>
+              </a:ext>
+            </a:extLst>
+          </p:cNvPr>
+          <p:cNvPicPr>
+            <a:picLocks noChangeAspect="1" noChangeArrowheads="1"/>
+          </p:cNvPicPr>
+          <p:nvPr/>
+        </p:nvPicPr>
+        <p:blipFill>
+          <a:blip r:embed="rId2">
+            <a:extLst>
+              <a:ext uri="{28A0092B-C50C-407E-A947-70E740481C1C}">
+                <a14:useLocalDpi xmlns:a14="http://schemas.microsoft.com/office/drawing/2010/main" val="0"/>
+              </a:ext>
+            </a:extLst>
+          </a:blip>
+          <a:srcRect/>
+          <a:stretch>
+            <a:fillRect/>
+          </a:stretch>
+        </p:blipFill>
+        <p:spPr bwMode="auto">
+          <a:xfrm>
+            <a:off x="10123273" y="132556"/>
+            <a:ext cx="1905000" cy="1790700"/>
+          </a:xfrm>
+          <a:prstGeom prst="rect">
+            <a:avLst/>
+          </a:prstGeom>
+          <a:noFill/>
+          <a:extLst>
+            <a:ext uri="{909E8E84-426E-40DD-AFC4-6F175D3DCCD1}">
+              <a14:hiddenFill xmlns:a14="http://schemas.microsoft.com/office/drawing/2010/main">
+                <a:solidFill>
+                  <a:srgbClr val="FFFFFF"/>
+                </a:solidFill>
+              </a14:hiddenFill>
+            </a:ext>
+          </a:extLst>
+        </p:spPr>
+      </p:pic>
+      <p:pic>
+        <p:nvPicPr>
+          <p:cNvPr id="6" name="Picture 5">
+            <a:extLst>
+              <a:ext uri="{FF2B5EF4-FFF2-40B4-BE49-F238E27FC236}">
+                <a16:creationId xmlns:a16="http://schemas.microsoft.com/office/drawing/2014/main" id="{B7896994-1AD7-C402-2AF2-69A7B559868A}"/>
+              </a:ext>
+            </a:extLst>
+          </p:cNvPr>
+          <p:cNvPicPr>
+            <a:picLocks noChangeAspect="1"/>
+          </p:cNvPicPr>
+          <p:nvPr/>
+        </p:nvPicPr>
+        <p:blipFill>
+          <a:blip r:embed="rId3"/>
+          <a:stretch>
+            <a:fillRect/>
+          </a:stretch>
+        </p:blipFill>
+        <p:spPr>
+          <a:xfrm>
+            <a:off x="4902543" y="2520779"/>
+            <a:ext cx="4242760" cy="3228740"/>
+          </a:xfrm>
+          <a:prstGeom prst="rect">
+            <a:avLst/>
+          </a:prstGeom>
+        </p:spPr>
+      </p:pic>
     </p:spTree>
     <p:extLst>
       <p:ext uri="{BB962C8B-B14F-4D97-AF65-F5344CB8AC3E}">
-        <p14:creationId xmlns:p14="http://schemas.microsoft.com/office/powerpoint/2010/main" val="2064086945"/>
+        <p14:creationId xmlns:p14="http://schemas.microsoft.com/office/powerpoint/2010/main" val="3796967945"/>
       </p:ext>
     </p:extLst>
   </p:cSld>
@@ -4699,6 +5481,600 @@
           </a:p>
         </p:txBody>
       </p:sp>
+      <p:pic>
+        <p:nvPicPr>
+          <p:cNvPr id="4" name="Picture 2">
+            <a:extLst>
+              <a:ext uri="{FF2B5EF4-FFF2-40B4-BE49-F238E27FC236}">
+                <a16:creationId xmlns:a16="http://schemas.microsoft.com/office/drawing/2014/main" id="{0D751675-9417-8C0B-97F4-FABF1BD6386F}"/>
+              </a:ext>
+            </a:extLst>
+          </p:cNvPr>
+          <p:cNvPicPr>
+            <a:picLocks noChangeAspect="1" noChangeArrowheads="1"/>
+          </p:cNvPicPr>
+          <p:nvPr/>
+        </p:nvPicPr>
+        <p:blipFill>
+          <a:blip r:embed="rId2">
+            <a:extLst>
+              <a:ext uri="{28A0092B-C50C-407E-A947-70E740481C1C}">
+                <a14:useLocalDpi xmlns:a14="http://schemas.microsoft.com/office/drawing/2010/main" val="0"/>
+              </a:ext>
+            </a:extLst>
+          </a:blip>
+          <a:srcRect/>
+          <a:stretch>
+            <a:fillRect/>
+          </a:stretch>
+        </p:blipFill>
+        <p:spPr bwMode="auto">
+          <a:xfrm>
+            <a:off x="10123273" y="132556"/>
+            <a:ext cx="1905000" cy="1790700"/>
+          </a:xfrm>
+          <a:prstGeom prst="rect">
+            <a:avLst/>
+          </a:prstGeom>
+          <a:noFill/>
+          <a:extLst>
+            <a:ext uri="{909E8E84-426E-40DD-AFC4-6F175D3DCCD1}">
+              <a14:hiddenFill xmlns:a14="http://schemas.microsoft.com/office/drawing/2010/main">
+                <a:solidFill>
+                  <a:srgbClr val="FFFFFF"/>
+                </a:solidFill>
+              </a14:hiddenFill>
+            </a:ext>
+          </a:extLst>
+        </p:spPr>
+      </p:pic>
+      <p:pic>
+        <p:nvPicPr>
+          <p:cNvPr id="5" name="Picture 4">
+            <a:extLst>
+              <a:ext uri="{FF2B5EF4-FFF2-40B4-BE49-F238E27FC236}">
+                <a16:creationId xmlns:a16="http://schemas.microsoft.com/office/drawing/2014/main" id="{8EE7CE4F-4BA2-40A8-362A-B07E2B6319E5}"/>
+              </a:ext>
+            </a:extLst>
+          </p:cNvPr>
+          <p:cNvPicPr>
+            <a:picLocks noChangeAspect="1"/>
+          </p:cNvPicPr>
+          <p:nvPr/>
+        </p:nvPicPr>
+        <p:blipFill>
+          <a:blip r:embed="rId3"/>
+          <a:stretch>
+            <a:fillRect/>
+          </a:stretch>
+        </p:blipFill>
+        <p:spPr>
+          <a:xfrm>
+            <a:off x="4886578" y="1314156"/>
+            <a:ext cx="2576903" cy="1451960"/>
+          </a:xfrm>
+          <a:prstGeom prst="rect">
+            <a:avLst/>
+          </a:prstGeom>
+        </p:spPr>
+      </p:pic>
+      <p:pic>
+        <p:nvPicPr>
+          <p:cNvPr id="10242" name="Picture 2" descr="Docker Container: What is it and what ...">
+            <a:extLst>
+              <a:ext uri="{FF2B5EF4-FFF2-40B4-BE49-F238E27FC236}">
+                <a16:creationId xmlns:a16="http://schemas.microsoft.com/office/drawing/2014/main" id="{B3E6693B-0B3C-3D6A-84D9-C6B4E8A98EEA}"/>
+              </a:ext>
+            </a:extLst>
+          </p:cNvPr>
+          <p:cNvPicPr>
+            <a:picLocks noChangeAspect="1" noChangeArrowheads="1"/>
+          </p:cNvPicPr>
+          <p:nvPr/>
+        </p:nvPicPr>
+        <p:blipFill>
+          <a:blip r:embed="rId4">
+            <a:extLst>
+              <a:ext uri="{28A0092B-C50C-407E-A947-70E740481C1C}">
+                <a14:useLocalDpi xmlns:a14="http://schemas.microsoft.com/office/drawing/2010/main" val="0"/>
+              </a:ext>
+            </a:extLst>
+          </a:blip>
+          <a:srcRect/>
+          <a:stretch>
+            <a:fillRect/>
+          </a:stretch>
+        </p:blipFill>
+        <p:spPr bwMode="auto">
+          <a:xfrm>
+            <a:off x="7317002" y="2458244"/>
+            <a:ext cx="2036403" cy="1064185"/>
+          </a:xfrm>
+          <a:prstGeom prst="rect">
+            <a:avLst/>
+          </a:prstGeom>
+          <a:noFill/>
+          <a:extLst>
+            <a:ext uri="{909E8E84-426E-40DD-AFC4-6F175D3DCCD1}">
+              <a14:hiddenFill xmlns:a14="http://schemas.microsoft.com/office/drawing/2010/main">
+                <a:solidFill>
+                  <a:srgbClr val="FFFFFF"/>
+                </a:solidFill>
+              </a14:hiddenFill>
+            </a:ext>
+          </a:extLst>
+        </p:spPr>
+      </p:pic>
+      <p:pic>
+        <p:nvPicPr>
+          <p:cNvPr id="10244" name="Picture 4" descr="Windows — Story">
+            <a:extLst>
+              <a:ext uri="{FF2B5EF4-FFF2-40B4-BE49-F238E27FC236}">
+                <a16:creationId xmlns:a16="http://schemas.microsoft.com/office/drawing/2014/main" id="{9D75A387-C788-F207-2BF0-F821EA54E5DC}"/>
+              </a:ext>
+            </a:extLst>
+          </p:cNvPr>
+          <p:cNvPicPr>
+            <a:picLocks noChangeAspect="1" noChangeArrowheads="1"/>
+          </p:cNvPicPr>
+          <p:nvPr/>
+        </p:nvPicPr>
+        <p:blipFill>
+          <a:blip r:embed="rId5">
+            <a:extLst>
+              <a:ext uri="{28A0092B-C50C-407E-A947-70E740481C1C}">
+                <a14:useLocalDpi xmlns:a14="http://schemas.microsoft.com/office/drawing/2010/main" val="0"/>
+              </a:ext>
+            </a:extLst>
+          </a:blip>
+          <a:srcRect/>
+          <a:stretch>
+            <a:fillRect/>
+          </a:stretch>
+        </p:blipFill>
+        <p:spPr bwMode="auto">
+          <a:xfrm>
+            <a:off x="4738688" y="2586039"/>
+            <a:ext cx="2183014" cy="1355766"/>
+          </a:xfrm>
+          <a:prstGeom prst="rect">
+            <a:avLst/>
+          </a:prstGeom>
+          <a:noFill/>
+          <a:extLst>
+            <a:ext uri="{909E8E84-426E-40DD-AFC4-6F175D3DCCD1}">
+              <a14:hiddenFill xmlns:a14="http://schemas.microsoft.com/office/drawing/2010/main">
+                <a:solidFill>
+                  <a:srgbClr val="FFFFFF"/>
+                </a:solidFill>
+              </a14:hiddenFill>
+            </a:ext>
+          </a:extLst>
+        </p:spPr>
+      </p:pic>
+      <p:pic>
+        <p:nvPicPr>
+          <p:cNvPr id="10246" name="Picture 6" descr="Tux (mascotte) - Wikipedia">
+            <a:extLst>
+              <a:ext uri="{FF2B5EF4-FFF2-40B4-BE49-F238E27FC236}">
+                <a16:creationId xmlns:a16="http://schemas.microsoft.com/office/drawing/2014/main" id="{EF1C1D9E-A28E-FA0F-F2B9-628A13BEA041}"/>
+              </a:ext>
+            </a:extLst>
+          </p:cNvPr>
+          <p:cNvPicPr>
+            <a:picLocks noChangeAspect="1" noChangeArrowheads="1"/>
+          </p:cNvPicPr>
+          <p:nvPr/>
+        </p:nvPicPr>
+        <p:blipFill>
+          <a:blip r:embed="rId6">
+            <a:extLst>
+              <a:ext uri="{28A0092B-C50C-407E-A947-70E740481C1C}">
+                <a14:useLocalDpi xmlns:a14="http://schemas.microsoft.com/office/drawing/2010/main" val="0"/>
+              </a:ext>
+            </a:extLst>
+          </a:blip>
+          <a:srcRect/>
+          <a:stretch>
+            <a:fillRect/>
+          </a:stretch>
+        </p:blipFill>
+        <p:spPr bwMode="auto">
+          <a:xfrm>
+            <a:off x="9605632" y="2257415"/>
+            <a:ext cx="1330586" cy="1582493"/>
+          </a:xfrm>
+          <a:prstGeom prst="rect">
+            <a:avLst/>
+          </a:prstGeom>
+          <a:noFill/>
+          <a:extLst>
+            <a:ext uri="{909E8E84-426E-40DD-AFC4-6F175D3DCCD1}">
+              <a14:hiddenFill xmlns:a14="http://schemas.microsoft.com/office/drawing/2010/main">
+                <a:solidFill>
+                  <a:srgbClr val="FFFFFF"/>
+                </a:solidFill>
+              </a14:hiddenFill>
+            </a:ext>
+          </a:extLst>
+        </p:spPr>
+      </p:pic>
+      <p:pic>
+        <p:nvPicPr>
+          <p:cNvPr id="10250" name="Picture 10" descr="macOS Logo, symbol, meaning, history ...">
+            <a:extLst>
+              <a:ext uri="{FF2B5EF4-FFF2-40B4-BE49-F238E27FC236}">
+                <a16:creationId xmlns:a16="http://schemas.microsoft.com/office/drawing/2014/main" id="{6561BB79-68B3-1BEE-4FC9-6C1A2E17D7C2}"/>
+              </a:ext>
+            </a:extLst>
+          </p:cNvPr>
+          <p:cNvPicPr>
+            <a:picLocks noChangeAspect="1" noChangeArrowheads="1"/>
+          </p:cNvPicPr>
+          <p:nvPr/>
+        </p:nvPicPr>
+        <p:blipFill>
+          <a:blip r:embed="rId7">
+            <a:extLst>
+              <a:ext uri="{28A0092B-C50C-407E-A947-70E740481C1C}">
+                <a14:useLocalDpi xmlns:a14="http://schemas.microsoft.com/office/drawing/2010/main" val="0"/>
+              </a:ext>
+            </a:extLst>
+          </a:blip>
+          <a:srcRect/>
+          <a:stretch>
+            <a:fillRect/>
+          </a:stretch>
+        </p:blipFill>
+        <p:spPr bwMode="auto">
+          <a:xfrm>
+            <a:off x="6227263" y="3657366"/>
+            <a:ext cx="2036403" cy="1140386"/>
+          </a:xfrm>
+          <a:prstGeom prst="rect">
+            <a:avLst/>
+          </a:prstGeom>
+          <a:noFill/>
+          <a:extLst>
+            <a:ext uri="{909E8E84-426E-40DD-AFC4-6F175D3DCCD1}">
+              <a14:hiddenFill xmlns:a14="http://schemas.microsoft.com/office/drawing/2010/main">
+                <a:solidFill>
+                  <a:srgbClr val="FFFFFF"/>
+                </a:solidFill>
+              </a14:hiddenFill>
+            </a:ext>
+          </a:extLst>
+        </p:spPr>
+      </p:pic>
+      <p:pic>
+        <p:nvPicPr>
+          <p:cNvPr id="10252" name="Picture 12" descr="Intel to Report Fourth-Quarter and Full ...">
+            <a:extLst>
+              <a:ext uri="{FF2B5EF4-FFF2-40B4-BE49-F238E27FC236}">
+                <a16:creationId xmlns:a16="http://schemas.microsoft.com/office/drawing/2014/main" id="{FC2A2FAC-3AAB-AD61-2BC0-067AFADD96FE}"/>
+              </a:ext>
+            </a:extLst>
+          </p:cNvPr>
+          <p:cNvPicPr>
+            <a:picLocks noChangeAspect="1" noChangeArrowheads="1"/>
+          </p:cNvPicPr>
+          <p:nvPr/>
+        </p:nvPicPr>
+        <p:blipFill>
+          <a:blip r:embed="rId8">
+            <a:extLst>
+              <a:ext uri="{28A0092B-C50C-407E-A947-70E740481C1C}">
+                <a14:useLocalDpi xmlns:a14="http://schemas.microsoft.com/office/drawing/2010/main" val="0"/>
+              </a:ext>
+            </a:extLst>
+          </a:blip>
+          <a:srcRect/>
+          <a:stretch>
+            <a:fillRect/>
+          </a:stretch>
+        </p:blipFill>
+        <p:spPr bwMode="auto">
+          <a:xfrm>
+            <a:off x="8335203" y="4126485"/>
+            <a:ext cx="2452246" cy="1226123"/>
+          </a:xfrm>
+          <a:prstGeom prst="rect">
+            <a:avLst/>
+          </a:prstGeom>
+          <a:noFill/>
+          <a:extLst>
+            <a:ext uri="{909E8E84-426E-40DD-AFC4-6F175D3DCCD1}">
+              <a14:hiddenFill xmlns:a14="http://schemas.microsoft.com/office/drawing/2010/main">
+                <a:solidFill>
+                  <a:srgbClr val="FFFFFF"/>
+                </a:solidFill>
+              </a14:hiddenFill>
+            </a:ext>
+          </a:extLst>
+        </p:spPr>
+      </p:pic>
+      <p:pic>
+        <p:nvPicPr>
+          <p:cNvPr id="10254" name="Picture 14" descr="Corporate Logo Guidelines – Arm®">
+            <a:extLst>
+              <a:ext uri="{FF2B5EF4-FFF2-40B4-BE49-F238E27FC236}">
+                <a16:creationId xmlns:a16="http://schemas.microsoft.com/office/drawing/2014/main" id="{AF7745C1-5B61-7494-AA91-4543269E31E0}"/>
+              </a:ext>
+            </a:extLst>
+          </p:cNvPr>
+          <p:cNvPicPr>
+            <a:picLocks noChangeAspect="1" noChangeArrowheads="1"/>
+          </p:cNvPicPr>
+          <p:nvPr/>
+        </p:nvPicPr>
+        <p:blipFill>
+          <a:blip r:embed="rId9">
+            <a:extLst>
+              <a:ext uri="{28A0092B-C50C-407E-A947-70E740481C1C}">
+                <a14:useLocalDpi xmlns:a14="http://schemas.microsoft.com/office/drawing/2010/main" val="0"/>
+              </a:ext>
+            </a:extLst>
+          </a:blip>
+          <a:srcRect/>
+          <a:stretch>
+            <a:fillRect/>
+          </a:stretch>
+        </p:blipFill>
+        <p:spPr bwMode="auto">
+          <a:xfrm>
+            <a:off x="4975326" y="4697934"/>
+            <a:ext cx="1709737" cy="991068"/>
+          </a:xfrm>
+          <a:prstGeom prst="rect">
+            <a:avLst/>
+          </a:prstGeom>
+          <a:noFill/>
+          <a:extLst>
+            <a:ext uri="{909E8E84-426E-40DD-AFC4-6F175D3DCCD1}">
+              <a14:hiddenFill xmlns:a14="http://schemas.microsoft.com/office/drawing/2010/main">
+                <a:solidFill>
+                  <a:srgbClr val="FFFFFF"/>
+                </a:solidFill>
+              </a14:hiddenFill>
+            </a:ext>
+          </a:extLst>
+        </p:spPr>
+      </p:pic>
+      <p:pic>
+        <p:nvPicPr>
+          <p:cNvPr id="10256" name="Picture 16" descr="Java, HD, logo, png | PNGWing">
+            <a:extLst>
+              <a:ext uri="{FF2B5EF4-FFF2-40B4-BE49-F238E27FC236}">
+                <a16:creationId xmlns:a16="http://schemas.microsoft.com/office/drawing/2014/main" id="{F5380874-C0DA-8676-22DA-35E1EE6192A2}"/>
+              </a:ext>
+            </a:extLst>
+          </p:cNvPr>
+          <p:cNvPicPr>
+            <a:picLocks noChangeAspect="1" noChangeArrowheads="1"/>
+          </p:cNvPicPr>
+          <p:nvPr/>
+        </p:nvPicPr>
+        <p:blipFill>
+          <a:blip r:embed="rId10">
+            <a:extLst>
+              <a:ext uri="{28A0092B-C50C-407E-A947-70E740481C1C}">
+                <a14:useLocalDpi xmlns:a14="http://schemas.microsoft.com/office/drawing/2010/main" val="0"/>
+              </a:ext>
+            </a:extLst>
+          </a:blip>
+          <a:srcRect/>
+          <a:stretch>
+            <a:fillRect/>
+          </a:stretch>
+        </p:blipFill>
+        <p:spPr bwMode="auto">
+          <a:xfrm>
+            <a:off x="6921702" y="4932689"/>
+            <a:ext cx="1071562" cy="1071562"/>
+          </a:xfrm>
+          <a:prstGeom prst="rect">
+            <a:avLst/>
+          </a:prstGeom>
+          <a:noFill/>
+          <a:extLst>
+            <a:ext uri="{909E8E84-426E-40DD-AFC4-6F175D3DCCD1}">
+              <a14:hiddenFill xmlns:a14="http://schemas.microsoft.com/office/drawing/2010/main">
+                <a:solidFill>
+                  <a:srgbClr val="FFFFFF"/>
+                </a:solidFill>
+              </a14:hiddenFill>
+            </a:ext>
+          </a:extLst>
+        </p:spPr>
+      </p:pic>
+      <p:pic>
+        <p:nvPicPr>
+          <p:cNvPr id="10258" name="Picture 18" descr="NET - Wikipedia">
+            <a:extLst>
+              <a:ext uri="{FF2B5EF4-FFF2-40B4-BE49-F238E27FC236}">
+                <a16:creationId xmlns:a16="http://schemas.microsoft.com/office/drawing/2014/main" id="{C22CA4D9-87FB-1497-B33B-6D2176277B7D}"/>
+              </a:ext>
+            </a:extLst>
+          </p:cNvPr>
+          <p:cNvPicPr>
+            <a:picLocks noChangeAspect="1" noChangeArrowheads="1"/>
+          </p:cNvPicPr>
+          <p:nvPr/>
+        </p:nvPicPr>
+        <p:blipFill>
+          <a:blip r:embed="rId11">
+            <a:extLst>
+              <a:ext uri="{28A0092B-C50C-407E-A947-70E740481C1C}">
+                <a14:useLocalDpi xmlns:a14="http://schemas.microsoft.com/office/drawing/2010/main" val="0"/>
+              </a:ext>
+            </a:extLst>
+          </a:blip>
+          <a:srcRect/>
+          <a:stretch>
+            <a:fillRect/>
+          </a:stretch>
+        </p:blipFill>
+        <p:spPr bwMode="auto">
+          <a:xfrm>
+            <a:off x="8223966" y="5084329"/>
+            <a:ext cx="832665" cy="832665"/>
+          </a:xfrm>
+          <a:prstGeom prst="rect">
+            <a:avLst/>
+          </a:prstGeom>
+          <a:noFill/>
+          <a:extLst>
+            <a:ext uri="{909E8E84-426E-40DD-AFC4-6F175D3DCCD1}">
+              <a14:hiddenFill xmlns:a14="http://schemas.microsoft.com/office/drawing/2010/main">
+                <a:solidFill>
+                  <a:srgbClr val="FFFFFF"/>
+                </a:solidFill>
+              </a14:hiddenFill>
+            </a:ext>
+          </a:extLst>
+        </p:spPr>
+      </p:pic>
+      <p:pic>
+        <p:nvPicPr>
+          <p:cNvPr id="10260" name="Picture 20" descr="What is Python Coding? | Juni Learning">
+            <a:extLst>
+              <a:ext uri="{FF2B5EF4-FFF2-40B4-BE49-F238E27FC236}">
+                <a16:creationId xmlns:a16="http://schemas.microsoft.com/office/drawing/2014/main" id="{3488FFB1-42AC-05D9-78BF-E5CC4FDE394E}"/>
+              </a:ext>
+            </a:extLst>
+          </p:cNvPr>
+          <p:cNvPicPr>
+            <a:picLocks noChangeAspect="1" noChangeArrowheads="1"/>
+          </p:cNvPicPr>
+          <p:nvPr/>
+        </p:nvPicPr>
+        <p:blipFill>
+          <a:blip r:embed="rId12">
+            <a:extLst>
+              <a:ext uri="{28A0092B-C50C-407E-A947-70E740481C1C}">
+                <a14:useLocalDpi xmlns:a14="http://schemas.microsoft.com/office/drawing/2010/main" val="0"/>
+              </a:ext>
+            </a:extLst>
+          </a:blip>
+          <a:srcRect/>
+          <a:stretch>
+            <a:fillRect/>
+          </a:stretch>
+        </p:blipFill>
+        <p:spPr bwMode="auto">
+          <a:xfrm>
+            <a:off x="10123273" y="5248690"/>
+            <a:ext cx="1071562" cy="1071562"/>
+          </a:xfrm>
+          <a:prstGeom prst="rect">
+            <a:avLst/>
+          </a:prstGeom>
+          <a:noFill/>
+          <a:extLst>
+            <a:ext uri="{909E8E84-426E-40DD-AFC4-6F175D3DCCD1}">
+              <a14:hiddenFill xmlns:a14="http://schemas.microsoft.com/office/drawing/2010/main">
+                <a:solidFill>
+                  <a:srgbClr val="FFFFFF"/>
+                </a:solidFill>
+              </a14:hiddenFill>
+            </a:ext>
+          </a:extLst>
+        </p:spPr>
+      </p:pic>
+      <p:pic>
+        <p:nvPicPr>
+          <p:cNvPr id="10262" name="Picture 22" descr="Golang and why it matters. Go, or as ...">
+            <a:extLst>
+              <a:ext uri="{FF2B5EF4-FFF2-40B4-BE49-F238E27FC236}">
+                <a16:creationId xmlns:a16="http://schemas.microsoft.com/office/drawing/2014/main" id="{18BC8DC3-8CF5-7637-859C-619B43326492}"/>
+              </a:ext>
+            </a:extLst>
+          </p:cNvPr>
+          <p:cNvPicPr>
+            <a:picLocks noChangeAspect="1" noChangeArrowheads="1"/>
+          </p:cNvPicPr>
+          <p:nvPr/>
+        </p:nvPicPr>
+        <p:blipFill>
+          <a:blip r:embed="rId13">
+            <a:extLst>
+              <a:ext uri="{28A0092B-C50C-407E-A947-70E740481C1C}">
+                <a14:useLocalDpi xmlns:a14="http://schemas.microsoft.com/office/drawing/2010/main" val="0"/>
+              </a:ext>
+            </a:extLst>
+          </a:blip>
+          <a:srcRect/>
+          <a:stretch>
+            <a:fillRect/>
+          </a:stretch>
+        </p:blipFill>
+        <p:spPr bwMode="auto">
+          <a:xfrm>
+            <a:off x="10439105" y="4161758"/>
+            <a:ext cx="919162" cy="919162"/>
+          </a:xfrm>
+          <a:prstGeom prst="rect">
+            <a:avLst/>
+          </a:prstGeom>
+          <a:noFill/>
+          <a:extLst>
+            <a:ext uri="{909E8E84-426E-40DD-AFC4-6F175D3DCCD1}">
+              <a14:hiddenFill xmlns:a14="http://schemas.microsoft.com/office/drawing/2010/main">
+                <a:solidFill>
+                  <a:srgbClr val="FFFFFF"/>
+                </a:solidFill>
+              </a14:hiddenFill>
+            </a:ext>
+          </a:extLst>
+        </p:spPr>
+      </p:pic>
+      <p:pic>
+        <p:nvPicPr>
+          <p:cNvPr id="10264" name="Picture 24" descr="Rust Programming Language ...">
+            <a:extLst>
+              <a:ext uri="{FF2B5EF4-FFF2-40B4-BE49-F238E27FC236}">
+                <a16:creationId xmlns:a16="http://schemas.microsoft.com/office/drawing/2014/main" id="{5DB43393-14D2-F185-C45A-4BC6D4FC6731}"/>
+              </a:ext>
+            </a:extLst>
+          </p:cNvPr>
+          <p:cNvPicPr>
+            <a:picLocks noChangeAspect="1" noChangeArrowheads="1"/>
+          </p:cNvPicPr>
+          <p:nvPr/>
+        </p:nvPicPr>
+        <p:blipFill>
+          <a:blip r:embed="rId14">
+            <a:extLst>
+              <a:ext uri="{28A0092B-C50C-407E-A947-70E740481C1C}">
+                <a14:useLocalDpi xmlns:a14="http://schemas.microsoft.com/office/drawing/2010/main" val="0"/>
+              </a:ext>
+            </a:extLst>
+          </a:blip>
+          <a:srcRect/>
+          <a:stretch>
+            <a:fillRect/>
+          </a:stretch>
+        </p:blipFill>
+        <p:spPr bwMode="auto">
+          <a:xfrm>
+            <a:off x="7541416" y="1461529"/>
+            <a:ext cx="2455743" cy="861778"/>
+          </a:xfrm>
+          <a:prstGeom prst="rect">
+            <a:avLst/>
+          </a:prstGeom>
+          <a:noFill/>
+          <a:extLst>
+            <a:ext uri="{909E8E84-426E-40DD-AFC4-6F175D3DCCD1}">
+              <a14:hiddenFill xmlns:a14="http://schemas.microsoft.com/office/drawing/2010/main">
+                <a:solidFill>
+                  <a:srgbClr val="FFFFFF"/>
+                </a:solidFill>
+              </a14:hiddenFill>
+            </a:ext>
+          </a:extLst>
+        </p:spPr>
+      </p:pic>
     </p:spTree>
     <p:extLst>
       <p:ext uri="{BB962C8B-B14F-4D97-AF65-F5344CB8AC3E}">
@@ -4756,7 +6132,7 @@
             </a:r>
             <a:r>
               <a:rPr lang="en-US" dirty="0"/>
-              <a:t> Core To-Do App – Part 1</a:t>
+              <a:t> Core To-Do App – Chaos engineering</a:t>
             </a:r>
           </a:p>
         </p:txBody>
@@ -4831,7 +6207,7 @@
             <a:pPr lvl="1"/>
             <a:r>
               <a:rPr lang="en-US" dirty="0"/>
-              <a:t>Rate limits</a:t>
+              <a:t>Rate limits </a:t>
             </a:r>
           </a:p>
           <a:p>
@@ -4843,6 +6219,53 @@
           </a:p>
         </p:txBody>
       </p:sp>
+      <p:pic>
+        <p:nvPicPr>
+          <p:cNvPr id="4" name="Picture 2">
+            <a:extLst>
+              <a:ext uri="{FF2B5EF4-FFF2-40B4-BE49-F238E27FC236}">
+                <a16:creationId xmlns:a16="http://schemas.microsoft.com/office/drawing/2014/main" id="{ECB371E4-B20A-E4C3-60B4-E743C40D9F89}"/>
+              </a:ext>
+            </a:extLst>
+          </p:cNvPr>
+          <p:cNvPicPr>
+            <a:picLocks noChangeAspect="1" noChangeArrowheads="1"/>
+          </p:cNvPicPr>
+          <p:nvPr/>
+        </p:nvPicPr>
+        <p:blipFill>
+          <a:blip r:embed="rId3">
+            <a:extLst>
+              <a:ext uri="{28A0092B-C50C-407E-A947-70E740481C1C}">
+                <a14:useLocalDpi xmlns:a14="http://schemas.microsoft.com/office/drawing/2010/main" val="0"/>
+              </a:ext>
+            </a:extLst>
+          </a:blip>
+          <a:srcRect/>
+          <a:stretch>
+            <a:fillRect/>
+          </a:stretch>
+        </p:blipFill>
+        <p:spPr bwMode="auto">
+          <a:xfrm>
+            <a:off x="10123273" y="132556"/>
+            <a:ext cx="1905000" cy="1790700"/>
+          </a:xfrm>
+          <a:prstGeom prst="rect">
+            <a:avLst/>
+          </a:prstGeom>
+          <a:noFill/>
+          <a:extLst>
+            <a:ext uri="{909E8E84-426E-40DD-AFC4-6F175D3DCCD1}">
+              <a14:hiddenFill xmlns:a14="http://schemas.microsoft.com/office/drawing/2010/main">
+                <a:solidFill>
+                  <a:srgbClr val="FFFFFF"/>
+                </a:solidFill>
+              </a14:hiddenFill>
+            </a:ext>
+          </a:extLst>
+        </p:spPr>
+      </p:pic>
     </p:spTree>
     <p:extLst>
       <p:ext uri="{BB962C8B-B14F-4D97-AF65-F5344CB8AC3E}">
@@ -4906,7 +6329,7 @@
             </a:r>
             <a:r>
               <a:rPr lang="en-US" dirty="0"/>
-              <a:t> Core To-Do App – Part 2</a:t>
+              <a:t> Core To-Do App – Simulation</a:t>
             </a:r>
           </a:p>
         </p:txBody>
@@ -5000,6 +6423,53 @@
           </a:p>
         </p:txBody>
       </p:sp>
+      <p:pic>
+        <p:nvPicPr>
+          <p:cNvPr id="4" name="Picture 2">
+            <a:extLst>
+              <a:ext uri="{FF2B5EF4-FFF2-40B4-BE49-F238E27FC236}">
+                <a16:creationId xmlns:a16="http://schemas.microsoft.com/office/drawing/2014/main" id="{48517C7E-6D0F-6599-A4D1-6DDD1A0D0E66}"/>
+              </a:ext>
+            </a:extLst>
+          </p:cNvPr>
+          <p:cNvPicPr>
+            <a:picLocks noChangeAspect="1" noChangeArrowheads="1"/>
+          </p:cNvPicPr>
+          <p:nvPr/>
+        </p:nvPicPr>
+        <p:blipFill>
+          <a:blip r:embed="rId3">
+            <a:extLst>
+              <a:ext uri="{28A0092B-C50C-407E-A947-70E740481C1C}">
+                <a14:useLocalDpi xmlns:a14="http://schemas.microsoft.com/office/drawing/2010/main" val="0"/>
+              </a:ext>
+            </a:extLst>
+          </a:blip>
+          <a:srcRect/>
+          <a:stretch>
+            <a:fillRect/>
+          </a:stretch>
+        </p:blipFill>
+        <p:spPr bwMode="auto">
+          <a:xfrm>
+            <a:off x="10123273" y="132556"/>
+            <a:ext cx="1905000" cy="1790700"/>
+          </a:xfrm>
+          <a:prstGeom prst="rect">
+            <a:avLst/>
+          </a:prstGeom>
+          <a:noFill/>
+          <a:extLst>
+            <a:ext uri="{909E8E84-426E-40DD-AFC4-6F175D3DCCD1}">
+              <a14:hiddenFill xmlns:a14="http://schemas.microsoft.com/office/drawing/2010/main">
+                <a:solidFill>
+                  <a:srgbClr val="FFFFFF"/>
+                </a:solidFill>
+              </a14:hiddenFill>
+            </a:ext>
+          </a:extLst>
+        </p:spPr>
+      </p:pic>
     </p:spTree>
     <p:extLst>
       <p:ext uri="{BB962C8B-B14F-4D97-AF65-F5344CB8AC3E}">
@@ -5053,7 +6523,7 @@
           <a:p>
             <a:r>
               <a:rPr lang="en-US" dirty="0"/>
-              <a:t>Python Stock Quotes App</a:t>
+              <a:t>Python Stock Quotes App – Queue Simulation</a:t>
             </a:r>
           </a:p>
         </p:txBody>
@@ -5097,7 +6567,7 @@
             <a:pPr lvl="1"/>
             <a:r>
               <a:rPr lang="en-US" dirty="0"/>
-              <a:t>Bottle (micro Flask)</a:t>
+              <a:t>Bottle (“mini” Flask)</a:t>
             </a:r>
           </a:p>
           <a:p>
@@ -5157,6 +6627,53 @@
           </a:p>
         </p:txBody>
       </p:sp>
+      <p:pic>
+        <p:nvPicPr>
+          <p:cNvPr id="4" name="Picture 2">
+            <a:extLst>
+              <a:ext uri="{FF2B5EF4-FFF2-40B4-BE49-F238E27FC236}">
+                <a16:creationId xmlns:a16="http://schemas.microsoft.com/office/drawing/2014/main" id="{48F330B9-29E3-D259-B368-A2B79E9D9928}"/>
+              </a:ext>
+            </a:extLst>
+          </p:cNvPr>
+          <p:cNvPicPr>
+            <a:picLocks noChangeAspect="1" noChangeArrowheads="1"/>
+          </p:cNvPicPr>
+          <p:nvPr/>
+        </p:nvPicPr>
+        <p:blipFill>
+          <a:blip r:embed="rId3">
+            <a:extLst>
+              <a:ext uri="{28A0092B-C50C-407E-A947-70E740481C1C}">
+                <a14:useLocalDpi xmlns:a14="http://schemas.microsoft.com/office/drawing/2010/main" val="0"/>
+              </a:ext>
+            </a:extLst>
+          </a:blip>
+          <a:srcRect/>
+          <a:stretch>
+            <a:fillRect/>
+          </a:stretch>
+        </p:blipFill>
+        <p:spPr bwMode="auto">
+          <a:xfrm>
+            <a:off x="10123273" y="132556"/>
+            <a:ext cx="1905000" cy="1790700"/>
+          </a:xfrm>
+          <a:prstGeom prst="rect">
+            <a:avLst/>
+          </a:prstGeom>
+          <a:noFill/>
+          <a:extLst>
+            <a:ext uri="{909E8E84-426E-40DD-AFC4-6F175D3DCCD1}">
+              <a14:hiddenFill xmlns:a14="http://schemas.microsoft.com/office/drawing/2010/main">
+                <a:solidFill>
+                  <a:srgbClr val="FFFFFF"/>
+                </a:solidFill>
+              </a14:hiddenFill>
+            </a:ext>
+          </a:extLst>
+        </p:spPr>
+      </p:pic>
     </p:spTree>
     <p:extLst>
       <p:ext uri="{BB962C8B-B14F-4D97-AF65-F5344CB8AC3E}">
@@ -5288,6 +6805,53 @@
           </a:p>
         </p:txBody>
       </p:sp>
+      <p:pic>
+        <p:nvPicPr>
+          <p:cNvPr id="4" name="Picture 2">
+            <a:extLst>
+              <a:ext uri="{FF2B5EF4-FFF2-40B4-BE49-F238E27FC236}">
+                <a16:creationId xmlns:a16="http://schemas.microsoft.com/office/drawing/2014/main" id="{3F4E121C-60C3-AF7A-7ABE-B34FEBC65286}"/>
+              </a:ext>
+            </a:extLst>
+          </p:cNvPr>
+          <p:cNvPicPr>
+            <a:picLocks noChangeAspect="1" noChangeArrowheads="1"/>
+          </p:cNvPicPr>
+          <p:nvPr/>
+        </p:nvPicPr>
+        <p:blipFill>
+          <a:blip r:embed="rId2">
+            <a:extLst>
+              <a:ext uri="{28A0092B-C50C-407E-A947-70E740481C1C}">
+                <a14:useLocalDpi xmlns:a14="http://schemas.microsoft.com/office/drawing/2010/main" val="0"/>
+              </a:ext>
+            </a:extLst>
+          </a:blip>
+          <a:srcRect/>
+          <a:stretch>
+            <a:fillRect/>
+          </a:stretch>
+        </p:blipFill>
+        <p:spPr bwMode="auto">
+          <a:xfrm>
+            <a:off x="10123273" y="132556"/>
+            <a:ext cx="1905000" cy="1790700"/>
+          </a:xfrm>
+          <a:prstGeom prst="rect">
+            <a:avLst/>
+          </a:prstGeom>
+          <a:noFill/>
+          <a:extLst>
+            <a:ext uri="{909E8E84-426E-40DD-AFC4-6F175D3DCCD1}">
+              <a14:hiddenFill xmlns:a14="http://schemas.microsoft.com/office/drawing/2010/main">
+                <a:solidFill>
+                  <a:srgbClr val="FFFFFF"/>
+                </a:solidFill>
+              </a14:hiddenFill>
+            </a:ext>
+          </a:extLst>
+        </p:spPr>
+      </p:pic>
     </p:spTree>
     <p:extLst>
       <p:ext uri="{BB962C8B-B14F-4D97-AF65-F5344CB8AC3E}">
@@ -5436,43 +7000,55 @@
               <a:t>Easily extensible with other protocol</a:t>
             </a:r>
           </a:p>
-          <a:p>
-            <a:r>
-              <a:rPr lang="en-US" dirty="0"/>
-              <a:t>Next steps</a:t>
-            </a:r>
-          </a:p>
-          <a:p>
-            <a:pPr lvl="1"/>
-            <a:r>
-              <a:rPr lang="en-US" dirty="0"/>
-              <a:t>Kafka</a:t>
-            </a:r>
-          </a:p>
-          <a:p>
-            <a:pPr lvl="1"/>
-            <a:r>
-              <a:rPr lang="en-US" dirty="0" err="1"/>
-              <a:t>Amqp</a:t>
-            </a:r>
-            <a:r>
-              <a:rPr lang="en-US" dirty="0"/>
-              <a:t> 1.0</a:t>
-            </a:r>
-          </a:p>
-          <a:p>
-            <a:pPr lvl="1"/>
-            <a:r>
-              <a:rPr lang="en-US" dirty="0" err="1"/>
-              <a:t>SQLServer</a:t>
-            </a:r>
-            <a:endParaRPr lang="en-US" dirty="0"/>
-          </a:p>
-          <a:p>
-            <a:endParaRPr lang="en-US" dirty="0"/>
-          </a:p>
-        </p:txBody>
-      </p:sp>
+        </p:txBody>
+      </p:sp>
+      <p:pic>
+        <p:nvPicPr>
+          <p:cNvPr id="5" name="Picture 2">
+            <a:extLst>
+              <a:ext uri="{FF2B5EF4-FFF2-40B4-BE49-F238E27FC236}">
+                <a16:creationId xmlns:a16="http://schemas.microsoft.com/office/drawing/2014/main" id="{31BD3FDD-2D61-E7A8-CCAB-2292A5590C03}"/>
+              </a:ext>
+            </a:extLst>
+          </p:cNvPr>
+          <p:cNvPicPr>
+            <a:picLocks noChangeAspect="1" noChangeArrowheads="1"/>
+          </p:cNvPicPr>
+          <p:nvPr/>
+        </p:nvPicPr>
+        <p:blipFill>
+          <a:blip r:embed="rId2">
+            <a:extLst>
+              <a:ext uri="{28A0092B-C50C-407E-A947-70E740481C1C}">
+                <a14:useLocalDpi xmlns:a14="http://schemas.microsoft.com/office/drawing/2010/main" val="0"/>
+              </a:ext>
+            </a:extLst>
+          </a:blip>
+          <a:srcRect/>
+          <a:stretch>
+            <a:fillRect/>
+          </a:stretch>
+        </p:blipFill>
+        <p:spPr bwMode="auto">
+          <a:xfrm>
+            <a:off x="10123273" y="132556"/>
+            <a:ext cx="1905000" cy="1790700"/>
+          </a:xfrm>
+          <a:prstGeom prst="rect">
+            <a:avLst/>
+          </a:prstGeom>
+          <a:noFill/>
+          <a:extLst>
+            <a:ext uri="{909E8E84-426E-40DD-AFC4-6F175D3DCCD1}">
+              <a14:hiddenFill xmlns:a14="http://schemas.microsoft.com/office/drawing/2010/main">
+                <a:solidFill>
+                  <a:srgbClr val="FFFFFF"/>
+                </a:solidFill>
+              </a14:hiddenFill>
+            </a:ext>
+          </a:extLst>
+        </p:spPr>
+      </p:pic>
     </p:spTree>
     <p:extLst>
       <p:ext uri="{BB962C8B-B14F-4D97-AF65-F5344CB8AC3E}">

--- a/The Protocol Master.pptx
+++ b/The Protocol Master.pptx
@@ -537,112 +537,7 @@
           <a:bodyPr/>
           <a:lstStyle/>
           <a:p>
-            <a:pPr marL="171450" indent="-171450">
-              <a:buFont typeface="Arial" panose="020B0604020202020204" pitchFamily="34" charset="0"/>
-              <a:buChar char="•"/>
-            </a:pPr>
-            <a:r>
-              <a:rPr lang="en-US" dirty="0"/>
-              <a:t>Run  TPM from command line</a:t>
-            </a:r>
-          </a:p>
-          <a:p>
-            <a:pPr marL="171450" indent="-171450">
-              <a:buFont typeface="Arial" panose="020B0604020202020204" pitchFamily="34" charset="0"/>
-              <a:buChar char="•"/>
-            </a:pPr>
-            <a:r>
-              <a:rPr lang="en-US" dirty="0"/>
-              <a:t>Run the .NET application locally in debug</a:t>
-            </a:r>
-          </a:p>
-          <a:p>
-            <a:pPr marL="171450" indent="-171450">
-              <a:buFont typeface="Arial" panose="020B0604020202020204" pitchFamily="34" charset="0"/>
-              <a:buChar char="•"/>
-            </a:pPr>
-            <a:r>
-              <a:rPr lang="en-US" dirty="0"/>
-              <a:t>Access the application via TPM proxy</a:t>
-            </a:r>
-          </a:p>
-          <a:p>
-            <a:pPr marL="171450" indent="-171450">
-              <a:buFont typeface="Arial" panose="020B0604020202020204" pitchFamily="34" charset="0"/>
-              <a:buChar char="•"/>
-            </a:pPr>
-            <a:r>
-              <a:rPr lang="en-US" dirty="0"/>
-              <a:t>Open at least 5 java rest</a:t>
-            </a:r>
-          </a:p>
-          <a:p>
-            <a:pPr marL="171450" indent="-171450">
-              <a:buFont typeface="Arial" panose="020B0604020202020204" pitchFamily="34" charset="0"/>
-              <a:buChar char="•"/>
-            </a:pPr>
-            <a:r>
-              <a:rPr lang="en-US" dirty="0"/>
-              <a:t>Introduce random errors </a:t>
-            </a:r>
-          </a:p>
-          <a:p>
-            <a:pPr marL="171450" indent="-171450">
-              <a:buFont typeface="Arial" panose="020B0604020202020204" pitchFamily="34" charset="0"/>
-              <a:buChar char="•"/>
-            </a:pPr>
-            <a:r>
-              <a:rPr lang="en-US" dirty="0"/>
-              <a:t>Introduce rate limits (refresh wildly)</a:t>
-            </a:r>
-          </a:p>
-          <a:p>
-            <a:pPr marL="171450" indent="-171450">
-              <a:buFont typeface="Arial" panose="020B0604020202020204" pitchFamily="34" charset="0"/>
-              <a:buChar char="•"/>
-            </a:pPr>
-            <a:endParaRPr lang="en-US" dirty="0"/>
-          </a:p>
-          <a:p>
-            <a:pPr marL="171450" indent="-171450">
-              <a:buFont typeface="Arial" panose="020B0604020202020204" pitchFamily="34" charset="0"/>
-              <a:buChar char="•"/>
-            </a:pPr>
-            <a:r>
-              <a:rPr lang="en-US" dirty="0"/>
-              <a:t>http://localhost:8081/swagger-ui/index.html</a:t>
-            </a:r>
-          </a:p>
-          <a:p>
-            <a:pPr marL="171450" indent="-171450">
-              <a:buFont typeface="Arial" panose="020B0604020202020204" pitchFamily="34" charset="0"/>
-              <a:buChar char="•"/>
-            </a:pPr>
-            <a:r>
-              <a:rPr lang="en-US" dirty="0"/>
-              <a:t>http://java-rest/</a:t>
-            </a:r>
-          </a:p>
-          <a:p>
-            <a:pPr marL="171450" indent="-171450">
-              <a:buFont typeface="Arial" panose="020B0604020202020204" pitchFamily="34" charset="0"/>
-              <a:buChar char="•"/>
-            </a:pPr>
-            <a:endParaRPr lang="en-US" dirty="0"/>
-          </a:p>
-          <a:p>
-            <a:pPr marL="171450" indent="-171450">
-              <a:buFont typeface="Arial" panose="020B0604020202020204" pitchFamily="34" charset="0"/>
-              <a:buChar char="•"/>
-            </a:pPr>
-            <a:endParaRPr lang="en-US" dirty="0"/>
-          </a:p>
-          <a:p>
-            <a:pPr marL="171450" indent="-171450">
-              <a:buFont typeface="Arial" panose="020B0604020202020204" pitchFamily="34" charset="0"/>
-              <a:buChar char="•"/>
-            </a:pPr>
-            <a:endParaRPr lang="en-US" dirty="0"/>
+            <a:endParaRPr lang="en-US"/>
           </a:p>
         </p:txBody>
       </p:sp>
@@ -663,7 +558,7 @@
           <a:p>
             <a:fld id="{7A98DEF0-9814-4D88-AE2F-1A5DA7BD7165}" type="slidenum">
               <a:rPr lang="en-US" smtClean="0"/>
-              <a:t>5</a:t>
+              <a:t>3</a:t>
             </a:fld>
             <a:endParaRPr lang="en-US"/>
           </a:p>
@@ -672,7 +567,7 @@
     </p:spTree>
     <p:extLst>
       <p:ext uri="{BB962C8B-B14F-4D97-AF65-F5344CB8AC3E}">
-        <p14:creationId xmlns:p14="http://schemas.microsoft.com/office/powerpoint/2010/main" val="3342913708"/>
+        <p14:creationId xmlns:p14="http://schemas.microsoft.com/office/powerpoint/2010/main" val="3646615121"/>
       </p:ext>
     </p:extLst>
   </p:cSld>
@@ -726,10 +621,112 @@
           <a:bodyPr/>
           <a:lstStyle/>
           <a:p>
-            <a:r>
-              <a:rPr lang="en-US" dirty="0"/>
-              <a:t>This is the full infrastructure recording</a:t>
-            </a:r>
+            <a:pPr marL="171450" indent="-171450">
+              <a:buFont typeface="Arial" panose="020B0604020202020204" pitchFamily="34" charset="0"/>
+              <a:buChar char="•"/>
+            </a:pPr>
+            <a:r>
+              <a:rPr lang="en-US" dirty="0"/>
+              <a:t>Run  TPM from command line</a:t>
+            </a:r>
+          </a:p>
+          <a:p>
+            <a:pPr marL="171450" indent="-171450">
+              <a:buFont typeface="Arial" panose="020B0604020202020204" pitchFamily="34" charset="0"/>
+              <a:buChar char="•"/>
+            </a:pPr>
+            <a:r>
+              <a:rPr lang="en-US" dirty="0"/>
+              <a:t>Run the .NET application locally in debug</a:t>
+            </a:r>
+          </a:p>
+          <a:p>
+            <a:pPr marL="171450" indent="-171450">
+              <a:buFont typeface="Arial" panose="020B0604020202020204" pitchFamily="34" charset="0"/>
+              <a:buChar char="•"/>
+            </a:pPr>
+            <a:r>
+              <a:rPr lang="en-US" dirty="0"/>
+              <a:t>Access the application via TPM proxy</a:t>
+            </a:r>
+          </a:p>
+          <a:p>
+            <a:pPr marL="171450" indent="-171450">
+              <a:buFont typeface="Arial" panose="020B0604020202020204" pitchFamily="34" charset="0"/>
+              <a:buChar char="•"/>
+            </a:pPr>
+            <a:r>
+              <a:rPr lang="en-US" dirty="0"/>
+              <a:t>Open at least 5 java rest</a:t>
+            </a:r>
+          </a:p>
+          <a:p>
+            <a:pPr marL="171450" indent="-171450">
+              <a:buFont typeface="Arial" panose="020B0604020202020204" pitchFamily="34" charset="0"/>
+              <a:buChar char="•"/>
+            </a:pPr>
+            <a:r>
+              <a:rPr lang="en-US" dirty="0"/>
+              <a:t>Introduce random errors </a:t>
+            </a:r>
+          </a:p>
+          <a:p>
+            <a:pPr marL="171450" indent="-171450">
+              <a:buFont typeface="Arial" panose="020B0604020202020204" pitchFamily="34" charset="0"/>
+              <a:buChar char="•"/>
+            </a:pPr>
+            <a:r>
+              <a:rPr lang="en-US" dirty="0"/>
+              <a:t>Introduce rate limits (refresh wildly)</a:t>
+            </a:r>
+          </a:p>
+          <a:p>
+            <a:pPr marL="171450" indent="-171450">
+              <a:buFont typeface="Arial" panose="020B0604020202020204" pitchFamily="34" charset="0"/>
+              <a:buChar char="•"/>
+            </a:pPr>
+            <a:endParaRPr lang="en-US" dirty="0"/>
+          </a:p>
+          <a:p>
+            <a:pPr marL="171450" indent="-171450">
+              <a:buFont typeface="Arial" panose="020B0604020202020204" pitchFamily="34" charset="0"/>
+              <a:buChar char="•"/>
+            </a:pPr>
+            <a:r>
+              <a:rPr lang="en-US" dirty="0"/>
+              <a:t>http://localhost:8081/swagger-ui/index.html</a:t>
+            </a:r>
+          </a:p>
+          <a:p>
+            <a:pPr marL="171450" indent="-171450">
+              <a:buFont typeface="Arial" panose="020B0604020202020204" pitchFamily="34" charset="0"/>
+              <a:buChar char="•"/>
+            </a:pPr>
+            <a:r>
+              <a:rPr lang="en-US" dirty="0"/>
+              <a:t>http://java-rest/</a:t>
+            </a:r>
+          </a:p>
+          <a:p>
+            <a:pPr marL="171450" indent="-171450">
+              <a:buFont typeface="Arial" panose="020B0604020202020204" pitchFamily="34" charset="0"/>
+              <a:buChar char="•"/>
+            </a:pPr>
+            <a:endParaRPr lang="en-US" dirty="0"/>
+          </a:p>
+          <a:p>
+            <a:pPr marL="171450" indent="-171450">
+              <a:buFont typeface="Arial" panose="020B0604020202020204" pitchFamily="34" charset="0"/>
+              <a:buChar char="•"/>
+            </a:pPr>
+            <a:endParaRPr lang="en-US" dirty="0"/>
+          </a:p>
+          <a:p>
+            <a:pPr marL="171450" indent="-171450">
+              <a:buFont typeface="Arial" panose="020B0604020202020204" pitchFamily="34" charset="0"/>
+              <a:buChar char="•"/>
+            </a:pPr>
+            <a:endParaRPr lang="en-US" dirty="0"/>
           </a:p>
         </p:txBody>
       </p:sp>
@@ -750,7 +747,7 @@
           <a:p>
             <a:fld id="{7A98DEF0-9814-4D88-AE2F-1A5DA7BD7165}" type="slidenum">
               <a:rPr lang="en-US" smtClean="0"/>
-              <a:t>6</a:t>
+              <a:t>5</a:t>
             </a:fld>
             <a:endParaRPr lang="en-US"/>
           </a:p>
@@ -759,7 +756,7 @@
     </p:spTree>
     <p:extLst>
       <p:ext uri="{BB962C8B-B14F-4D97-AF65-F5344CB8AC3E}">
-        <p14:creationId xmlns:p14="http://schemas.microsoft.com/office/powerpoint/2010/main" val="3325033989"/>
+        <p14:creationId xmlns:p14="http://schemas.microsoft.com/office/powerpoint/2010/main" val="3342913708"/>
       </p:ext>
     </p:extLst>
   </p:cSld>
@@ -813,6 +810,128 @@
           <a:bodyPr/>
           <a:lstStyle/>
           <a:p>
+            <a:r>
+              <a:rPr lang="en-US" dirty="0"/>
+              <a:t>This is the full infrastructure recording</a:t>
+            </a:r>
+          </a:p>
+          <a:p>
+            <a:pPr marL="171450" indent="-171450">
+              <a:buFont typeface="Arial" panose="020B0604020202020204" pitchFamily="34" charset="0"/>
+              <a:buChar char="•"/>
+            </a:pPr>
+            <a:r>
+              <a:rPr lang="en-US" dirty="0"/>
+              <a:t>Explore the data recorded: </a:t>
+            </a:r>
+            <a:r>
+              <a:rPr lang="en-US" dirty="0">
+                <a:solidFill>
+                  <a:srgbClr val="A2FCA2"/>
+                </a:solidFill>
+                <a:effectLst/>
+              </a:rPr>
+              <a:t>http://localhost:8081/api/global/storage/items?maxLength=100</a:t>
+            </a:r>
+          </a:p>
+          <a:p>
+            <a:pPr marL="171450" indent="-171450">
+              <a:buFont typeface="Arial" panose="020B0604020202020204" pitchFamily="34" charset="0"/>
+              <a:buChar char="•"/>
+            </a:pPr>
+            <a:r>
+              <a:rPr lang="en-US" dirty="0">
+                <a:solidFill>
+                  <a:srgbClr val="A2FCA2"/>
+                </a:solidFill>
+                <a:effectLst/>
+              </a:rPr>
+              <a:t>Explore a response item: http://localhost:8081/api/global/storage/items/mqtt-01/0000000009</a:t>
+            </a:r>
+            <a:endParaRPr lang="en-US" dirty="0"/>
+          </a:p>
+        </p:txBody>
+      </p:sp>
+      <p:sp>
+        <p:nvSpPr>
+          <p:cNvPr id="4" name="Slide Number Placeholder 3"/>
+          <p:cNvSpPr>
+            <a:spLocks noGrp="1"/>
+          </p:cNvSpPr>
+          <p:nvPr>
+            <p:ph type="sldNum" sz="quarter" idx="5"/>
+          </p:nvPr>
+        </p:nvSpPr>
+        <p:spPr/>
+        <p:txBody>
+          <a:bodyPr/>
+          <a:lstStyle/>
+          <a:p>
+            <a:fld id="{7A98DEF0-9814-4D88-AE2F-1A5DA7BD7165}" type="slidenum">
+              <a:rPr lang="en-US" smtClean="0"/>
+              <a:t>6</a:t>
+            </a:fld>
+            <a:endParaRPr lang="en-US"/>
+          </a:p>
+        </p:txBody>
+      </p:sp>
+    </p:spTree>
+    <p:extLst>
+      <p:ext uri="{BB962C8B-B14F-4D97-AF65-F5344CB8AC3E}">
+        <p14:creationId xmlns:p14="http://schemas.microsoft.com/office/powerpoint/2010/main" val="3325033989"/>
+      </p:ext>
+    </p:extLst>
+  </p:cSld>
+  <p:clrMapOvr>
+    <a:masterClrMapping/>
+  </p:clrMapOvr>
+</p:notes>
+</file>
+
+<file path=ppt/notesSlides/notesSlide4.xml><?xml version="1.0" encoding="utf-8"?>
+<p:notes xmlns:a="http://schemas.openxmlformats.org/drawingml/2006/main" xmlns:r="http://schemas.openxmlformats.org/officeDocument/2006/relationships" xmlns:p="http://schemas.openxmlformats.org/presentationml/2006/main">
+  <p:cSld>
+    <p:spTree>
+      <p:nvGrpSpPr>
+        <p:cNvPr id="1" name=""/>
+        <p:cNvGrpSpPr/>
+        <p:nvPr/>
+      </p:nvGrpSpPr>
+      <p:grpSpPr>
+        <a:xfrm>
+          <a:off x="0" y="0"/>
+          <a:ext cx="0" cy="0"/>
+          <a:chOff x="0" y="0"/>
+          <a:chExt cx="0" cy="0"/>
+        </a:xfrm>
+      </p:grpSpPr>
+      <p:sp>
+        <p:nvSpPr>
+          <p:cNvPr id="2" name="Slide Image Placeholder 1"/>
+          <p:cNvSpPr>
+            <a:spLocks noGrp="1" noRot="1" noChangeAspect="1"/>
+          </p:cNvSpPr>
+          <p:nvPr>
+            <p:ph type="sldImg"/>
+          </p:nvPr>
+        </p:nvSpPr>
+        <p:spPr/>
+      </p:sp>
+      <p:sp>
+        <p:nvSpPr>
+          <p:cNvPr id="3" name="Notes Placeholder 2"/>
+          <p:cNvSpPr>
+            <a:spLocks noGrp="1"/>
+          </p:cNvSpPr>
+          <p:nvPr>
+            <p:ph type="body" idx="1"/>
+          </p:nvPr>
+        </p:nvSpPr>
+        <p:spPr/>
+        <p:txBody>
+          <a:bodyPr/>
+          <a:lstStyle/>
+          <a:p>
             <a:pPr marL="0" marR="0" lvl="0" indent="0" algn="l" defTabSz="914400" rtl="0" eaLnBrk="1" fontAlgn="auto" latinLnBrk="0" hangingPunct="1">
               <a:lnSpc>
                 <a:spcPct val="100000"/>
@@ -838,6 +957,166 @@
           <a:p>
             <a:endParaRPr lang="en-US" dirty="0"/>
           </a:p>
+          <a:p>
+            <a:pPr marL="171450" indent="-171450">
+              <a:buFont typeface="Arial" panose="020B0604020202020204" pitchFamily="34" charset="0"/>
+              <a:buChar char="•"/>
+            </a:pPr>
+            <a:r>
+              <a:rPr lang="en-US" dirty="0"/>
+              <a:t>Explore the data recorded: </a:t>
+            </a:r>
+            <a:r>
+              <a:rPr lang="en-US" dirty="0">
+                <a:solidFill>
+                  <a:srgbClr val="A2FCA2"/>
+                </a:solidFill>
+                <a:effectLst/>
+              </a:rPr>
+              <a:t>http://localhost:8081/api/global/storage/items?maxLength=100</a:t>
+            </a:r>
+          </a:p>
+          <a:p>
+            <a:pPr marL="171450" indent="-171450">
+              <a:buFont typeface="Arial" panose="020B0604020202020204" pitchFamily="34" charset="0"/>
+              <a:buChar char="•"/>
+            </a:pPr>
+            <a:r>
+              <a:rPr lang="en-US" dirty="0">
+                <a:solidFill>
+                  <a:srgbClr val="A2FCA2"/>
+                </a:solidFill>
+                <a:effectLst/>
+              </a:rPr>
+              <a:t>Explore a response item: http://localhost:8081/api/global/storage/items/mqtt-01/0000000009</a:t>
+            </a:r>
+          </a:p>
+          <a:p>
+            <a:pPr marL="171450" indent="-171450">
+              <a:buFont typeface="Arial" panose="020B0604020202020204" pitchFamily="34" charset="0"/>
+              <a:buChar char="•"/>
+            </a:pPr>
+            <a:r>
+              <a:rPr lang="en-US" dirty="0">
+                <a:solidFill>
+                  <a:srgbClr val="A2FCA2"/>
+                </a:solidFill>
+                <a:effectLst/>
+              </a:rPr>
+              <a:t>Try Without quote generator</a:t>
+            </a:r>
+          </a:p>
+          <a:p>
+            <a:pPr marL="171450" indent="-171450">
+              <a:buFont typeface="Arial" panose="020B0604020202020204" pitchFamily="34" charset="0"/>
+              <a:buChar char="•"/>
+            </a:pPr>
+            <a:r>
+              <a:rPr lang="en-US" dirty="0">
+                <a:solidFill>
+                  <a:srgbClr val="A2FCA2"/>
+                </a:solidFill>
+                <a:effectLst/>
+              </a:rPr>
+              <a:t>Try Without </a:t>
+            </a:r>
+            <a:r>
+              <a:rPr lang="en-US" dirty="0" err="1">
+                <a:solidFill>
+                  <a:srgbClr val="A2FCA2"/>
+                </a:solidFill>
+                <a:effectLst/>
+              </a:rPr>
+              <a:t>mosquitto</a:t>
+            </a:r>
+            <a:endParaRPr lang="en-US" dirty="0">
+              <a:solidFill>
+                <a:srgbClr val="A2FCA2"/>
+              </a:solidFill>
+              <a:effectLst/>
+            </a:endParaRPr>
+          </a:p>
+          <a:p>
+            <a:pPr marL="171450" indent="-171450">
+              <a:buFont typeface="Arial" panose="020B0604020202020204" pitchFamily="34" charset="0"/>
+              <a:buChar char="•"/>
+            </a:pPr>
+            <a:endParaRPr lang="en-US" dirty="0">
+              <a:solidFill>
+                <a:srgbClr val="A2FCA2"/>
+              </a:solidFill>
+              <a:effectLst/>
+            </a:endParaRPr>
+          </a:p>
+          <a:p>
+            <a:pPr marL="0" indent="0">
+              <a:buFont typeface="Arial" panose="020B0604020202020204" pitchFamily="34" charset="0"/>
+              <a:buNone/>
+            </a:pPr>
+            <a:r>
+              <a:rPr lang="en-US" dirty="0"/>
+              <a:t>{</a:t>
+            </a:r>
+          </a:p>
+          <a:p>
+            <a:pPr marL="0" indent="0">
+              <a:buFont typeface="Arial" panose="020B0604020202020204" pitchFamily="34" charset="0"/>
+              <a:buNone/>
+            </a:pPr>
+            <a:r>
+              <a:rPr lang="en-US" dirty="0"/>
+              <a:t>  "</a:t>
+            </a:r>
+            <a:r>
+              <a:rPr lang="en-US" dirty="0" err="1"/>
+              <a:t>contentType</a:t>
+            </a:r>
+            <a:r>
+              <a:rPr lang="en-US" dirty="0"/>
+              <a:t>": "application/</a:t>
+            </a:r>
+            <a:r>
+              <a:rPr lang="en-US" dirty="0" err="1"/>
+              <a:t>json</a:t>
+            </a:r>
+            <a:r>
+              <a:rPr lang="en-US" dirty="0"/>
+              <a:t>",</a:t>
+            </a:r>
+          </a:p>
+          <a:p>
+            <a:pPr marL="0" indent="0">
+              <a:buFont typeface="Arial" panose="020B0604020202020204" pitchFamily="34" charset="0"/>
+              <a:buNone/>
+            </a:pPr>
+            <a:r>
+              <a:rPr lang="en-US" dirty="0"/>
+              <a:t>  "body": "{\"symbol\":\"META\",\"date\":1737495412037,\"price\":400,\"volume\":4000}",</a:t>
+            </a:r>
+          </a:p>
+          <a:p>
+            <a:pPr marL="0" indent="0">
+              <a:buFont typeface="Arial" panose="020B0604020202020204" pitchFamily="34" charset="0"/>
+              <a:buNone/>
+            </a:pPr>
+            <a:r>
+              <a:rPr lang="en-US" dirty="0"/>
+              <a:t>  "topic": "quotations"</a:t>
+            </a:r>
+          </a:p>
+          <a:p>
+            <a:pPr marL="0" indent="0">
+              <a:buFont typeface="Arial" panose="020B0604020202020204" pitchFamily="34" charset="0"/>
+              <a:buNone/>
+            </a:pPr>
+            <a:r>
+              <a:rPr lang="en-US" dirty="0"/>
+              <a:t>}</a:t>
+            </a:r>
+          </a:p>
+          <a:p>
+            <a:endParaRPr lang="en-US" dirty="0"/>
+          </a:p>
         </p:txBody>
       </p:sp>
       <p:sp>
@@ -867,6 +1146,90 @@
     <p:extLst>
       <p:ext uri="{BB962C8B-B14F-4D97-AF65-F5344CB8AC3E}">
         <p14:creationId xmlns:p14="http://schemas.microsoft.com/office/powerpoint/2010/main" val="1619608975"/>
+      </p:ext>
+    </p:extLst>
+  </p:cSld>
+  <p:clrMapOvr>
+    <a:masterClrMapping/>
+  </p:clrMapOvr>
+</p:notes>
+</file>
+
+<file path=ppt/notesSlides/notesSlide5.xml><?xml version="1.0" encoding="utf-8"?>
+<p:notes xmlns:a="http://schemas.openxmlformats.org/drawingml/2006/main" xmlns:r="http://schemas.openxmlformats.org/officeDocument/2006/relationships" xmlns:p="http://schemas.openxmlformats.org/presentationml/2006/main">
+  <p:cSld>
+    <p:spTree>
+      <p:nvGrpSpPr>
+        <p:cNvPr id="1" name=""/>
+        <p:cNvGrpSpPr/>
+        <p:nvPr/>
+      </p:nvGrpSpPr>
+      <p:grpSpPr>
+        <a:xfrm>
+          <a:off x="0" y="0"/>
+          <a:ext cx="0" cy="0"/>
+          <a:chOff x="0" y="0"/>
+          <a:chExt cx="0" cy="0"/>
+        </a:xfrm>
+      </p:grpSpPr>
+      <p:sp>
+        <p:nvSpPr>
+          <p:cNvPr id="2" name="Slide Image Placeholder 1"/>
+          <p:cNvSpPr>
+            <a:spLocks noGrp="1" noRot="1" noChangeAspect="1"/>
+          </p:cNvSpPr>
+          <p:nvPr>
+            <p:ph type="sldImg"/>
+          </p:nvPr>
+        </p:nvSpPr>
+        <p:spPr/>
+      </p:sp>
+      <p:sp>
+        <p:nvSpPr>
+          <p:cNvPr id="3" name="Notes Placeholder 2"/>
+          <p:cNvSpPr>
+            <a:spLocks noGrp="1"/>
+          </p:cNvSpPr>
+          <p:nvPr>
+            <p:ph type="body" idx="1"/>
+          </p:nvPr>
+        </p:nvSpPr>
+        <p:spPr/>
+        <p:txBody>
+          <a:bodyPr/>
+          <a:lstStyle/>
+          <a:p>
+            <a:endParaRPr lang="en-US" dirty="0"/>
+          </a:p>
+        </p:txBody>
+      </p:sp>
+      <p:sp>
+        <p:nvSpPr>
+          <p:cNvPr id="4" name="Slide Number Placeholder 3"/>
+          <p:cNvSpPr>
+            <a:spLocks noGrp="1"/>
+          </p:cNvSpPr>
+          <p:nvPr>
+            <p:ph type="sldNum" sz="quarter" idx="5"/>
+          </p:nvPr>
+        </p:nvSpPr>
+        <p:spPr/>
+        <p:txBody>
+          <a:bodyPr/>
+          <a:lstStyle/>
+          <a:p>
+            <a:fld id="{7A98DEF0-9814-4D88-AE2F-1A5DA7BD7165}" type="slidenum">
+              <a:rPr lang="en-US" smtClean="0"/>
+              <a:t>11</a:t>
+            </a:fld>
+            <a:endParaRPr lang="en-US"/>
+          </a:p>
+        </p:txBody>
+      </p:sp>
+    </p:spTree>
+    <p:extLst>
+      <p:ext uri="{BB962C8B-B14F-4D97-AF65-F5344CB8AC3E}">
+        <p14:creationId xmlns:p14="http://schemas.microsoft.com/office/powerpoint/2010/main" val="2516748906"/>
       </p:ext>
     </p:extLst>
   </p:cSld>
@@ -4833,6 +5196,147 @@
           </a:extLst>
         </p:spPr>
       </p:pic>
+      <p:pic>
+        <p:nvPicPr>
+          <p:cNvPr id="1026" name="Picture 2" descr="SQL Server 2022 ...">
+            <a:extLst>
+              <a:ext uri="{FF2B5EF4-FFF2-40B4-BE49-F238E27FC236}">
+                <a16:creationId xmlns:a16="http://schemas.microsoft.com/office/drawing/2014/main" id="{0AACC1BD-0B2C-C2DD-04E5-B8404B6966BE}"/>
+              </a:ext>
+            </a:extLst>
+          </p:cNvPr>
+          <p:cNvPicPr>
+            <a:picLocks noChangeAspect="1" noChangeArrowheads="1"/>
+          </p:cNvPicPr>
+          <p:nvPr/>
+        </p:nvPicPr>
+        <p:blipFill>
+          <a:blip r:embed="rId3">
+            <a:extLst>
+              <a:ext uri="{28A0092B-C50C-407E-A947-70E740481C1C}">
+                <a14:useLocalDpi xmlns:a14="http://schemas.microsoft.com/office/drawing/2010/main" val="0"/>
+              </a:ext>
+            </a:extLst>
+          </a:blip>
+          <a:srcRect/>
+          <a:stretch>
+            <a:fillRect/>
+          </a:stretch>
+        </p:blipFill>
+        <p:spPr bwMode="auto">
+          <a:xfrm>
+            <a:off x="4529138" y="2700338"/>
+            <a:ext cx="3133725" cy="1457325"/>
+          </a:xfrm>
+          <a:prstGeom prst="rect">
+            <a:avLst/>
+          </a:prstGeom>
+          <a:noFill/>
+          <a:extLst>
+            <a:ext uri="{909E8E84-426E-40DD-AFC4-6F175D3DCCD1}">
+              <a14:hiddenFill xmlns:a14="http://schemas.microsoft.com/office/drawing/2010/main">
+                <a:solidFill>
+                  <a:srgbClr val="FFFFFF"/>
+                </a:solidFill>
+              </a14:hiddenFill>
+            </a:ext>
+          </a:extLst>
+        </p:spPr>
+      </p:pic>
+      <p:pic>
+        <p:nvPicPr>
+          <p:cNvPr id="1028" name="Picture 4" descr="AMQP 1.0.0 Delphi Client - Delphi ...">
+            <a:extLst>
+              <a:ext uri="{FF2B5EF4-FFF2-40B4-BE49-F238E27FC236}">
+                <a16:creationId xmlns:a16="http://schemas.microsoft.com/office/drawing/2014/main" id="{82C5CC99-93E4-88F9-F3D6-3F3ED72DA490}"/>
+              </a:ext>
+            </a:extLst>
+          </p:cNvPr>
+          <p:cNvPicPr>
+            <a:picLocks noChangeAspect="1" noChangeArrowheads="1"/>
+          </p:cNvPicPr>
+          <p:nvPr/>
+        </p:nvPicPr>
+        <p:blipFill>
+          <a:blip r:embed="rId4">
+            <a:extLst>
+              <a:ext uri="{28A0092B-C50C-407E-A947-70E740481C1C}">
+                <a14:useLocalDpi xmlns:a14="http://schemas.microsoft.com/office/drawing/2010/main" val="0"/>
+              </a:ext>
+            </a:extLst>
+          </a:blip>
+          <a:srcRect/>
+          <a:stretch>
+            <a:fillRect/>
+          </a:stretch>
+        </p:blipFill>
+        <p:spPr bwMode="auto">
+          <a:xfrm>
+            <a:off x="8226768" y="2362844"/>
+            <a:ext cx="3028950" cy="1514475"/>
+          </a:xfrm>
+          <a:prstGeom prst="rect">
+            <a:avLst/>
+          </a:prstGeom>
+          <a:noFill/>
+          <a:extLst>
+            <a:ext uri="{909E8E84-426E-40DD-AFC4-6F175D3DCCD1}">
+              <a14:hiddenFill xmlns:a14="http://schemas.microsoft.com/office/drawing/2010/main">
+                <a:solidFill>
+                  <a:srgbClr val="FFFFFF"/>
+                </a:solidFill>
+              </a14:hiddenFill>
+            </a:ext>
+          </a:extLst>
+        </p:spPr>
+      </p:pic>
+      <p:pic>
+        <p:nvPicPr>
+          <p:cNvPr id="1030" name="Picture 6" descr="Understanding Apache Kafka: From ...">
+            <a:extLst>
+              <a:ext uri="{FF2B5EF4-FFF2-40B4-BE49-F238E27FC236}">
+                <a16:creationId xmlns:a16="http://schemas.microsoft.com/office/drawing/2014/main" id="{28EAC559-E80E-A9DD-3C3C-6382577A4F08}"/>
+              </a:ext>
+            </a:extLst>
+          </p:cNvPr>
+          <p:cNvPicPr>
+            <a:picLocks noChangeAspect="1" noChangeArrowheads="1"/>
+          </p:cNvPicPr>
+          <p:nvPr/>
+        </p:nvPicPr>
+        <p:blipFill>
+          <a:blip r:embed="rId5">
+            <a:extLst>
+              <a:ext uri="{28A0092B-C50C-407E-A947-70E740481C1C}">
+                <a14:useLocalDpi xmlns:a14="http://schemas.microsoft.com/office/drawing/2010/main" val="0"/>
+              </a:ext>
+            </a:extLst>
+          </a:blip>
+          <a:srcRect/>
+          <a:stretch>
+            <a:fillRect/>
+          </a:stretch>
+        </p:blipFill>
+        <p:spPr bwMode="auto">
+          <a:xfrm>
+            <a:off x="7385802" y="3809357"/>
+            <a:ext cx="2867025" cy="1590675"/>
+          </a:xfrm>
+          <a:prstGeom prst="rect">
+            <a:avLst/>
+          </a:prstGeom>
+          <a:noFill/>
+          <a:extLst>
+            <a:ext uri="{909E8E84-426E-40DD-AFC4-6F175D3DCCD1}">
+              <a14:hiddenFill xmlns:a14="http://schemas.microsoft.com/office/drawing/2010/main">
+                <a:solidFill>
+                  <a:srgbClr val="FFFFFF"/>
+                </a:solidFill>
+              </a14:hiddenFill>
+            </a:ext>
+          </a:extLst>
+        </p:spPr>
+      </p:pic>
     </p:spTree>
     <p:extLst>
       <p:ext uri="{BB962C8B-B14F-4D97-AF65-F5344CB8AC3E}">
@@ -4849,6 +5353,14 @@
 <file path=ppt/slides/slide11.xml><?xml version="1.0" encoding="utf-8"?>
 <p:sld xmlns:a="http://schemas.openxmlformats.org/drawingml/2006/main" xmlns:r="http://schemas.openxmlformats.org/officeDocument/2006/relationships" xmlns:p="http://schemas.openxmlformats.org/presentationml/2006/main">
   <p:cSld>
+    <p:bg>
+      <p:bgPr>
+        <a:solidFill>
+          <a:schemeClr val="bg1"/>
+        </a:solidFill>
+        <a:effectLst/>
+      </p:bgPr>
+    </p:bg>
     <p:spTree>
       <p:nvGrpSpPr>
         <p:cNvPr id="1" name=""/>
@@ -4863,6 +5375,66 @@
           <a:chExt cx="0" cy="0"/>
         </a:xfrm>
       </p:grpSpPr>
+      <p:sp useBgFill="1">
+        <p:nvSpPr>
+          <p:cNvPr id="2057" name="Rectangle 2056">
+            <a:extLst>
+              <a:ext uri="{FF2B5EF4-FFF2-40B4-BE49-F238E27FC236}">
+                <a16:creationId xmlns:a16="http://schemas.microsoft.com/office/drawing/2014/main" id="{D2B783EE-0239-4717-BBEA-8C9EAC61C824}"/>
+              </a:ext>
+              <a:ext uri="{C183D7F6-B498-43B3-948B-1728B52AA6E4}">
+                <adec:decorative xmlns:adec="http://schemas.microsoft.com/office/drawing/2017/decorative" val="1"/>
+              </a:ext>
+            </a:extLst>
+          </p:cNvPr>
+          <p:cNvSpPr>
+            <a:spLocks noGrp="1" noRot="1" noChangeAspect="1" noMove="1" noResize="1" noEditPoints="1" noAdjustHandles="1" noChangeArrowheads="1" noChangeShapeType="1" noTextEdit="1"/>
+          </p:cNvSpPr>
+          <p:nvPr>
+            <p:extLst>
+              <p:ext uri="{386F3935-93C4-4BCD-93E2-E3B085C9AB24}">
+                <p16:designElem xmlns:p16="http://schemas.microsoft.com/office/powerpoint/2015/main" val="1"/>
+              </p:ext>
+            </p:extLst>
+          </p:nvPr>
+        </p:nvSpPr>
+        <p:spPr>
+          <a:xfrm>
+            <a:off x="0" y="0"/>
+            <a:ext cx="12192000" cy="6858000"/>
+          </a:xfrm>
+          <a:prstGeom prst="rect">
+            <a:avLst/>
+          </a:prstGeom>
+          <a:ln>
+            <a:noFill/>
+          </a:ln>
+        </p:spPr>
+        <p:style>
+          <a:lnRef idx="2">
+            <a:schemeClr val="accent1">
+              <a:shade val="50000"/>
+            </a:schemeClr>
+          </a:lnRef>
+          <a:fillRef idx="1">
+            <a:schemeClr val="accent1"/>
+          </a:fillRef>
+          <a:effectRef idx="0">
+            <a:schemeClr val="accent1"/>
+          </a:effectRef>
+          <a:fontRef idx="minor">
+            <a:schemeClr val="lt1"/>
+          </a:fontRef>
+        </p:style>
+        <p:txBody>
+          <a:bodyPr rtlCol="0" anchor="ctr"/>
+          <a:lstStyle/>
+          <a:p>
+            <a:pPr algn="ctr"/>
+            <a:endParaRPr lang="en-US"/>
+          </a:p>
+        </p:txBody>
+      </p:sp>
       <p:sp>
         <p:nvSpPr>
           <p:cNvPr id="2" name="Title 1">
@@ -4879,9 +5451,16 @@
             <p:ph type="title"/>
           </p:nvPr>
         </p:nvSpPr>
-        <p:spPr/>
-        <p:txBody>
-          <a:bodyPr/>
+        <p:spPr>
+          <a:xfrm>
+            <a:off x="838201" y="345810"/>
+            <a:ext cx="5120561" cy="1325563"/>
+          </a:xfrm>
+        </p:spPr>
+        <p:txBody>
+          <a:bodyPr>
+            <a:normAutofit/>
+          </a:bodyPr>
           <a:lstStyle/>
           <a:p>
             <a:r>
@@ -4907,25 +5486,23 @@
             <p:ph idx="1"/>
           </p:nvPr>
         </p:nvSpPr>
-        <p:spPr/>
-        <p:txBody>
-          <a:bodyPr/>
-          <a:lstStyle/>
-          <a:p>
-            <a:r>
-              <a:rPr lang="en-US" dirty="0">
-                <a:hlinkClick r:id="rId2"/>
-              </a:rPr>
-              <a:t>http://www.github.com/kendarorg</a:t>
-            </a:r>
-            <a:endParaRPr lang="en-US" dirty="0"/>
-          </a:p>
+        <p:spPr>
+          <a:xfrm>
+            <a:off x="838201" y="1825625"/>
+            <a:ext cx="5092194" cy="4351338"/>
+          </a:xfrm>
+        </p:spPr>
+        <p:txBody>
+          <a:bodyPr>
+            <a:normAutofit/>
+          </a:bodyPr>
+          <a:lstStyle/>
           <a:p>
             <a:r>
               <a:rPr lang="en-US" dirty="0">
                 <a:hlinkClick r:id="rId3"/>
               </a:rPr>
-              <a:t>https://www.linkedin.com/in/enricodaros/</a:t>
+              <a:t>http://www.github.com/kendarorg</a:t>
             </a:r>
             <a:endParaRPr lang="en-US" dirty="0"/>
           </a:p>
@@ -4934,12 +5511,128 @@
               <a:rPr lang="en-US" dirty="0">
                 <a:hlinkClick r:id="rId4"/>
               </a:rPr>
+              <a:t>https://www.linkedin.com/in/enricodaros/</a:t>
+            </a:r>
+            <a:endParaRPr lang="en-US" dirty="0"/>
+          </a:p>
+          <a:p>
+            <a:r>
+              <a:rPr lang="en-US" dirty="0">
+                <a:hlinkClick r:id="rId5"/>
+              </a:rPr>
               <a:t>enrico.daros@gmail.com</a:t>
             </a:r>
             <a:endParaRPr lang="en-US" dirty="0"/>
           </a:p>
           <a:p>
+            <a:r>
+              <a:rPr lang="en-US" dirty="0">
+                <a:hlinkClick r:id="rId6"/>
+              </a:rPr>
+              <a:t>https://www.kendar.org</a:t>
+            </a:r>
             <a:endParaRPr lang="en-US" dirty="0"/>
+          </a:p>
+          <a:p>
+            <a:pPr marL="0" indent="0">
+              <a:buNone/>
+            </a:pPr>
+            <a:endParaRPr lang="en-US" dirty="0"/>
+          </a:p>
+          <a:p>
+            <a:endParaRPr lang="en-US" dirty="0"/>
+          </a:p>
+        </p:txBody>
+      </p:sp>
+      <p:sp>
+        <p:nvSpPr>
+          <p:cNvPr id="2059" name="Oval 2058">
+            <a:extLst>
+              <a:ext uri="{FF2B5EF4-FFF2-40B4-BE49-F238E27FC236}">
+                <a16:creationId xmlns:a16="http://schemas.microsoft.com/office/drawing/2014/main" id="{A7B99495-F43F-4D80-A44F-2CB4764EB90B}"/>
+              </a:ext>
+              <a:ext uri="{C183D7F6-B498-43B3-948B-1728B52AA6E4}">
+                <adec:decorative xmlns:adec="http://schemas.microsoft.com/office/drawing/2017/decorative" val="1"/>
+              </a:ext>
+            </a:extLst>
+          </p:cNvPr>
+          <p:cNvSpPr>
+            <a:spLocks noGrp="1" noRot="1" noChangeAspect="1" noMove="1" noResize="1" noEditPoints="1" noAdjustHandles="1" noChangeArrowheads="1" noChangeShapeType="1" noTextEdit="1"/>
+          </p:cNvSpPr>
+          <p:nvPr>
+            <p:extLst>
+              <p:ext uri="{386F3935-93C4-4BCD-93E2-E3B085C9AB24}">
+                <p16:designElem xmlns:p16="http://schemas.microsoft.com/office/powerpoint/2015/main" val="1"/>
+              </p:ext>
+            </p:extLst>
+          </p:nvPr>
+        </p:nvSpPr>
+        <p:spPr>
+          <a:xfrm>
+            <a:off x="10420569" y="1364732"/>
+            <a:ext cx="947488" cy="921785"/>
+          </a:xfrm>
+          <a:prstGeom prst="ellipse">
+            <a:avLst/>
+          </a:prstGeom>
+          <a:solidFill>
+            <a:schemeClr val="accent2"/>
+          </a:solidFill>
+          <a:ln>
+            <a:noFill/>
+          </a:ln>
+        </p:spPr>
+        <p:style>
+          <a:lnRef idx="2">
+            <a:schemeClr val="accent1">
+              <a:shade val="50000"/>
+            </a:schemeClr>
+          </a:lnRef>
+          <a:fillRef idx="1">
+            <a:schemeClr val="accent1"/>
+          </a:fillRef>
+          <a:effectRef idx="0">
+            <a:schemeClr val="accent1"/>
+          </a:effectRef>
+          <a:fontRef idx="minor">
+            <a:schemeClr val="lt1"/>
+          </a:fontRef>
+        </p:style>
+        <p:txBody>
+          <a:bodyPr rtlCol="0" anchor="ctr"/>
+          <a:lstStyle/>
+          <a:p>
+            <a:pPr marL="0" marR="0" lvl="0" indent="0" algn="ctr" defTabSz="914400" rtl="0" eaLnBrk="1" fontAlgn="auto" latinLnBrk="0" hangingPunct="1">
+              <a:lnSpc>
+                <a:spcPct val="100000"/>
+              </a:lnSpc>
+              <a:spcBef>
+                <a:spcPts val="0"/>
+              </a:spcBef>
+              <a:spcAft>
+                <a:spcPts val="0"/>
+              </a:spcAft>
+              <a:buClrTx/>
+              <a:buSzTx/>
+              <a:buFontTx/>
+              <a:buNone/>
+              <a:tabLst/>
+              <a:defRPr/>
+            </a:pPr>
+            <a:endParaRPr kumimoji="0" lang="en-US" sz="1800" b="0" i="0" u="none" strike="noStrike" kern="1200" cap="none" spc="0" normalizeH="0" baseline="0" noProof="0">
+              <a:ln>
+                <a:noFill/>
+              </a:ln>
+              <a:solidFill>
+                <a:srgbClr val="FFFFFF"/>
+              </a:solidFill>
+              <a:effectLst/>
+              <a:uLnTx/>
+              <a:uFillTx/>
+              <a:latin typeface="Calibri" panose="020F0502020204030204"/>
+              <a:ea typeface="+mn-ea"/>
+              <a:cs typeface="+mn-cs"/>
+            </a:endParaRPr>
           </a:p>
         </p:txBody>
       </p:sp>
@@ -4958,26 +5651,210 @@
           <p:nvPr/>
         </p:nvPicPr>
         <p:blipFill>
-          <a:blip r:embed="rId5">
+          <a:blip r:embed="rId7">
             <a:extLst>
               <a:ext uri="{28A0092B-C50C-407E-A947-70E740481C1C}">
                 <a14:useLocalDpi xmlns:a14="http://schemas.microsoft.com/office/drawing/2010/main" val="0"/>
               </a:ext>
             </a:extLst>
           </a:blip>
-          <a:srcRect/>
-          <a:stretch>
-            <a:fillRect/>
-          </a:stretch>
+          <a:srcRect l="2348" r="2" b="2"/>
+          <a:stretch/>
         </p:blipFill>
         <p:spPr bwMode="auto">
           <a:xfrm>
-            <a:off x="10123273" y="132556"/>
-            <a:ext cx="1905000" cy="1790700"/>
+            <a:off x="7901259" y="2727729"/>
+            <a:ext cx="4290741" cy="4130271"/>
           </a:xfrm>
-          <a:prstGeom prst="rect">
+          <a:custGeom>
             <a:avLst/>
+            <a:gdLst/>
+            <a:ahLst/>
+            <a:cxnLst/>
+            <a:rect l="l" t="t" r="r" b="b"/>
+            <a:pathLst>
+              <a:path w="4290741" h="4130271">
+                <a:moveTo>
+                  <a:pt x="2503809" y="0"/>
+                </a:moveTo>
+                <a:cubicBezTo>
+                  <a:pt x="3157405" y="0"/>
+                  <a:pt x="3752509" y="250434"/>
+                  <a:pt x="4198398" y="660580"/>
+                </a:cubicBezTo>
+                <a:lnTo>
+                  <a:pt x="4290741" y="751286"/>
+                </a:lnTo>
+                <a:lnTo>
+                  <a:pt x="4290741" y="4130271"/>
+                </a:lnTo>
+                <a:lnTo>
+                  <a:pt x="604508" y="4130271"/>
+                </a:lnTo>
+                <a:lnTo>
+                  <a:pt x="461940" y="3953232"/>
+                </a:lnTo>
+                <a:cubicBezTo>
+                  <a:pt x="171051" y="3544183"/>
+                  <a:pt x="0" y="3043971"/>
+                  <a:pt x="0" y="2503809"/>
+                </a:cubicBezTo>
+                <a:cubicBezTo>
+                  <a:pt x="0" y="1120992"/>
+                  <a:pt x="1120992" y="0"/>
+                  <a:pt x="2503809" y="0"/>
+                </a:cubicBezTo>
+                <a:close/>
+              </a:path>
+            </a:pathLst>
+          </a:custGeom>
+          <a:noFill/>
+          <a:extLst>
+            <a:ext uri="{909E8E84-426E-40DD-AFC4-6F175D3DCCD1}">
+              <a14:hiddenFill xmlns:a14="http://schemas.microsoft.com/office/drawing/2010/main">
+                <a:solidFill>
+                  <a:srgbClr val="FFFFFF"/>
+                </a:solidFill>
+              </a14:hiddenFill>
+            </a:ext>
+          </a:extLst>
+        </p:spPr>
+      </p:pic>
+      <p:sp>
+        <p:nvSpPr>
+          <p:cNvPr id="2061" name="Arc 2060">
+            <a:extLst>
+              <a:ext uri="{FF2B5EF4-FFF2-40B4-BE49-F238E27FC236}">
+                <a16:creationId xmlns:a16="http://schemas.microsoft.com/office/drawing/2014/main" id="{70BEB1E7-2F88-40BC-B73D-42E5B6F80BFC}"/>
+              </a:ext>
+              <a:ext uri="{C183D7F6-B498-43B3-948B-1728B52AA6E4}">
+                <adec:decorative xmlns:adec="http://schemas.microsoft.com/office/drawing/2017/decorative" val="1"/>
+              </a:ext>
+            </a:extLst>
+          </p:cNvPr>
+          <p:cNvSpPr>
+            <a:spLocks noGrp="1" noRot="1" noChangeAspect="1" noMove="1" noResize="1" noEditPoints="1" noAdjustHandles="1" noChangeArrowheads="1" noChangeShapeType="1" noTextEdit="1"/>
+          </p:cNvSpPr>
+          <p:nvPr>
+            <p:extLst>
+              <p:ext uri="{386F3935-93C4-4BCD-93E2-E3B085C9AB24}">
+                <p16:designElem xmlns:p16="http://schemas.microsoft.com/office/powerpoint/2015/main" val="1"/>
+              </p:ext>
+            </p:extLst>
+          </p:nvPr>
+        </p:nvSpPr>
+        <p:spPr>
+          <a:xfrm rot="4759070" flipV="1">
+            <a:off x="6034138" y="-673140"/>
+            <a:ext cx="4021193" cy="4021193"/>
+          </a:xfrm>
+          <a:prstGeom prst="arc">
+            <a:avLst>
+              <a:gd name="adj1" fmla="val 16200000"/>
+              <a:gd name="adj2" fmla="val 20093138"/>
+            </a:avLst>
           </a:prstGeom>
+          <a:ln w="127000" cap="rnd">
+            <a:solidFill>
+              <a:schemeClr val="accent4"/>
+            </a:solidFill>
+            <a:prstDash val="dash"/>
+          </a:ln>
+        </p:spPr>
+        <p:style>
+          <a:lnRef idx="1">
+            <a:schemeClr val="accent1"/>
+          </a:lnRef>
+          <a:fillRef idx="0">
+            <a:schemeClr val="accent1"/>
+          </a:fillRef>
+          <a:effectRef idx="0">
+            <a:schemeClr val="accent1"/>
+          </a:effectRef>
+          <a:fontRef idx="minor">
+            <a:schemeClr val="tx1"/>
+          </a:fontRef>
+        </p:style>
+        <p:txBody>
+          <a:bodyPr rtlCol="0" anchor="ctr"/>
+          <a:lstStyle/>
+          <a:p>
+            <a:pPr algn="ctr"/>
+            <a:endParaRPr lang="en-US" dirty="0"/>
+          </a:p>
+        </p:txBody>
+      </p:sp>
+      <p:pic>
+        <p:nvPicPr>
+          <p:cNvPr id="2052" name="Picture 4">
+            <a:extLst>
+              <a:ext uri="{FF2B5EF4-FFF2-40B4-BE49-F238E27FC236}">
+                <a16:creationId xmlns:a16="http://schemas.microsoft.com/office/drawing/2014/main" id="{FAF7230B-FE96-6706-94E1-4EE31AC85B43}"/>
+              </a:ext>
+            </a:extLst>
+          </p:cNvPr>
+          <p:cNvPicPr>
+            <a:picLocks noChangeAspect="1" noChangeArrowheads="1"/>
+          </p:cNvPicPr>
+          <p:nvPr/>
+        </p:nvPicPr>
+        <p:blipFill>
+          <a:blip r:embed="rId8">
+            <a:extLst>
+              <a:ext uri="{28A0092B-C50C-407E-A947-70E740481C1C}">
+                <a14:useLocalDpi xmlns:a14="http://schemas.microsoft.com/office/drawing/2010/main" val="0"/>
+              </a:ext>
+            </a:extLst>
+          </a:blip>
+          <a:srcRect r="-3" b="14529"/>
+          <a:stretch/>
+        </p:blipFill>
+        <p:spPr bwMode="auto">
+          <a:xfrm>
+            <a:off x="6261607" y="1"/>
+            <a:ext cx="3519312" cy="3007909"/>
+          </a:xfrm>
+          <a:custGeom>
+            <a:avLst/>
+            <a:gdLst/>
+            <a:ahLst/>
+            <a:cxnLst/>
+            <a:rect l="l" t="t" r="r" b="b"/>
+            <a:pathLst>
+              <a:path w="3519312" h="3007909">
+                <a:moveTo>
+                  <a:pt x="519780" y="0"/>
+                </a:moveTo>
+                <a:lnTo>
+                  <a:pt x="2999532" y="0"/>
+                </a:lnTo>
+                <a:lnTo>
+                  <a:pt x="3003921" y="3989"/>
+                </a:lnTo>
+                <a:cubicBezTo>
+                  <a:pt x="3322356" y="322424"/>
+                  <a:pt x="3519312" y="762338"/>
+                  <a:pt x="3519312" y="1248253"/>
+                </a:cubicBezTo>
+                <a:cubicBezTo>
+                  <a:pt x="3519312" y="2220084"/>
+                  <a:pt x="2731487" y="3007909"/>
+                  <a:pt x="1759656" y="3007909"/>
+                </a:cubicBezTo>
+                <a:cubicBezTo>
+                  <a:pt x="787826" y="3007909"/>
+                  <a:pt x="0" y="2220084"/>
+                  <a:pt x="0" y="1248253"/>
+                </a:cubicBezTo>
+                <a:cubicBezTo>
+                  <a:pt x="0" y="762338"/>
+                  <a:pt x="196957" y="322424"/>
+                  <a:pt x="515392" y="3989"/>
+                </a:cubicBezTo>
+                <a:close/>
+              </a:path>
+            </a:pathLst>
+          </a:custGeom>
           <a:noFill/>
           <a:extLst>
             <a:ext uri="{909E8E84-426E-40DD-AFC4-6F175D3DCCD1}">
@@ -5258,6 +6135,12 @@
               <a:t>A mock</a:t>
             </a:r>
           </a:p>
+          <a:p>
+            <a:r>
+              <a:rPr lang="en-US" dirty="0"/>
+              <a:t>A gateway</a:t>
+            </a:r>
+          </a:p>
         </p:txBody>
       </p:sp>
       <p:pic>
@@ -5275,7 +6158,7 @@
           <p:nvPr/>
         </p:nvPicPr>
         <p:blipFill>
-          <a:blip r:embed="rId2">
+          <a:blip r:embed="rId3">
             <a:extLst>
               <a:ext uri="{28A0092B-C50C-407E-A947-70E740481C1C}">
                 <a14:useLocalDpi xmlns:a14="http://schemas.microsoft.com/office/drawing/2010/main" val="0"/>
@@ -5322,7 +6205,7 @@
           <p:nvPr/>
         </p:nvPicPr>
         <p:blipFill>
-          <a:blip r:embed="rId3"/>
+          <a:blip r:embed="rId4"/>
           <a:stretch>
             <a:fillRect/>
           </a:stretch>
@@ -6266,6 +7149,36 @@
           </a:extLst>
         </p:spPr>
       </p:pic>
+      <p:pic>
+        <p:nvPicPr>
+          <p:cNvPr id="7" name="Picture 6">
+            <a:extLst>
+              <a:ext uri="{FF2B5EF4-FFF2-40B4-BE49-F238E27FC236}">
+                <a16:creationId xmlns:a16="http://schemas.microsoft.com/office/drawing/2014/main" id="{DB612E26-DD62-4D6E-A5EE-A67B412CB488}"/>
+              </a:ext>
+            </a:extLst>
+          </p:cNvPr>
+          <p:cNvPicPr>
+            <a:picLocks noChangeAspect="1"/>
+          </p:cNvPicPr>
+          <p:nvPr/>
+        </p:nvPicPr>
+        <p:blipFill>
+          <a:blip r:embed="rId4"/>
+          <a:stretch>
+            <a:fillRect/>
+          </a:stretch>
+        </p:blipFill>
+        <p:spPr>
+          <a:xfrm>
+            <a:off x="4761550" y="2422627"/>
+            <a:ext cx="6774406" cy="3157333"/>
+          </a:xfrm>
+          <a:prstGeom prst="rect">
+            <a:avLst/>
+          </a:prstGeom>
+        </p:spPr>
+      </p:pic>
     </p:spTree>
     <p:extLst>
       <p:ext uri="{BB962C8B-B14F-4D97-AF65-F5344CB8AC3E}">
@@ -6470,6 +7383,36 @@
           </a:extLst>
         </p:spPr>
       </p:pic>
+      <p:pic>
+        <p:nvPicPr>
+          <p:cNvPr id="6" name="Picture 5">
+            <a:extLst>
+              <a:ext uri="{FF2B5EF4-FFF2-40B4-BE49-F238E27FC236}">
+                <a16:creationId xmlns:a16="http://schemas.microsoft.com/office/drawing/2014/main" id="{14345A85-3186-6BA3-0C99-121F67C4B5E4}"/>
+              </a:ext>
+            </a:extLst>
+          </p:cNvPr>
+          <p:cNvPicPr>
+            <a:picLocks noChangeAspect="1"/>
+          </p:cNvPicPr>
+          <p:nvPr/>
+        </p:nvPicPr>
+        <p:blipFill>
+          <a:blip r:embed="rId4"/>
+          <a:stretch>
+            <a:fillRect/>
+          </a:stretch>
+        </p:blipFill>
+        <p:spPr>
+          <a:xfrm>
+            <a:off x="4761550" y="2422627"/>
+            <a:ext cx="6774406" cy="3157333"/>
+          </a:xfrm>
+          <a:prstGeom prst="rect">
+            <a:avLst/>
+          </a:prstGeom>
+        </p:spPr>
+      </p:pic>
     </p:spTree>
     <p:extLst>
       <p:ext uri="{BB962C8B-B14F-4D97-AF65-F5344CB8AC3E}">
@@ -6523,7 +7466,7 @@
           <a:p>
             <a:r>
               <a:rPr lang="en-US" dirty="0"/>
-              <a:t>Python Stock Quotes App – Queue Simulation</a:t>
+              <a:t>Java Stock Quotes App – Queue Simulation</a:t>
             </a:r>
           </a:p>
         </p:txBody>
@@ -6547,7 +7490,7 @@
         <p:spPr/>
         <p:txBody>
           <a:bodyPr>
-            <a:normAutofit lnSpcReduction="10000"/>
+            <a:normAutofit/>
           </a:bodyPr>
           <a:lstStyle/>
           <a:p>
@@ -6560,28 +7503,14 @@
             <a:pPr lvl="1"/>
             <a:r>
               <a:rPr lang="en-US" dirty="0"/>
-              <a:t>Python</a:t>
+              <a:t>Spring Boot</a:t>
             </a:r>
           </a:p>
           <a:p>
             <a:pPr lvl="1"/>
             <a:r>
               <a:rPr lang="en-US" dirty="0"/>
-              <a:t>Bottle (“mini” Flask)</a:t>
-            </a:r>
-          </a:p>
-          <a:p>
-            <a:pPr lvl="1"/>
-            <a:r>
-              <a:rPr lang="en-US" dirty="0"/>
-              <a:t>Peewee</a:t>
-            </a:r>
-          </a:p>
-          <a:p>
-            <a:pPr lvl="1"/>
-            <a:r>
-              <a:rPr lang="en-US" dirty="0"/>
-              <a:t>RabbitMQ</a:t>
+              <a:t>MQTT</a:t>
             </a:r>
           </a:p>
           <a:p>
@@ -6672,6 +7601,36 @@
               </a14:hiddenFill>
             </a:ext>
           </a:extLst>
+        </p:spPr>
+      </p:pic>
+      <p:pic>
+        <p:nvPicPr>
+          <p:cNvPr id="6" name="Picture 5">
+            <a:extLst>
+              <a:ext uri="{FF2B5EF4-FFF2-40B4-BE49-F238E27FC236}">
+                <a16:creationId xmlns:a16="http://schemas.microsoft.com/office/drawing/2014/main" id="{11D4E0E8-45DE-BCD9-0D54-0A5B54A76E99}"/>
+              </a:ext>
+            </a:extLst>
+          </p:cNvPr>
+          <p:cNvPicPr>
+            <a:picLocks noChangeAspect="1"/>
+          </p:cNvPicPr>
+          <p:nvPr/>
+        </p:nvPicPr>
+        <p:blipFill>
+          <a:blip r:embed="rId4"/>
+          <a:stretch>
+            <a:fillRect/>
+          </a:stretch>
+        </p:blipFill>
+        <p:spPr>
+          <a:xfrm>
+            <a:off x="5048510" y="2155825"/>
+            <a:ext cx="6746727" cy="3430006"/>
+          </a:xfrm>
+          <a:prstGeom prst="rect">
+            <a:avLst/>
+          </a:prstGeom>
         </p:spPr>
       </p:pic>
     </p:spTree>
